--- a/public/毕业设计文档/毕业设计表格.pptx
+++ b/public/毕业设计文档/毕业设计表格.pptx
@@ -5,9 +5,10 @@
     <p:sldMasterId id="2147483648" r:id="rId1"/>
   </p:sldMasterIdLst>
   <p:sldIdLst>
-    <p:sldId id="256" r:id="rId2"/>
-    <p:sldId id="257" r:id="rId3"/>
-    <p:sldId id="258" r:id="rId4"/>
+    <p:sldId id="257" r:id="rId2"/>
+    <p:sldId id="258" r:id="rId3"/>
+    <p:sldId id="256" r:id="rId4"/>
+    <p:sldId id="259" r:id="rId5"/>
   </p:sldIdLst>
   <p:sldSz cx="12192000" cy="6858000"/>
   <p:notesSz cx="6858000" cy="9144000"/>
@@ -2979,749 +2980,6 @@
         </p:nvSpPr>
         <p:spPr>
           <a:xfrm>
-            <a:off x="501040" y="1491119"/>
-            <a:ext cx="2567835" cy="914400"/>
-          </a:xfrm>
-          <a:prstGeom prst="rect">
-            <a:avLst/>
-          </a:prstGeom>
-          <a:ln/>
-        </p:spPr>
-        <p:style>
-          <a:lnRef idx="2">
-            <a:schemeClr val="dk1"/>
-          </a:lnRef>
-          <a:fillRef idx="1">
-            <a:schemeClr val="lt1"/>
-          </a:fillRef>
-          <a:effectRef idx="0">
-            <a:schemeClr val="dk1"/>
-          </a:effectRef>
-          <a:fontRef idx="minor">
-            <a:schemeClr val="dk1"/>
-          </a:fontRef>
-        </p:style>
-        <p:txBody>
-          <a:bodyPr rtlCol="0" anchor="ctr"/>
-          <a:lstStyle/>
-          <a:p>
-            <a:pPr algn="ctr"/>
-            <a:r>
-              <a:rPr lang="en-US" altLang="zh-CN" dirty="0" smtClean="0"/>
-              <a:t>UI</a:t>
-            </a:r>
-            <a:r>
-              <a:rPr lang="zh-CN" altLang="en-US" dirty="0" smtClean="0"/>
-              <a:t>界面</a:t>
-            </a:r>
-            <a:endParaRPr lang="en-US" altLang="zh-CN" dirty="0" smtClean="0"/>
-          </a:p>
-        </p:txBody>
-      </p:sp>
-      <p:sp>
-        <p:nvSpPr>
-          <p:cNvPr id="5" name="矩形 4"/>
-          <p:cNvSpPr/>
-          <p:nvPr/>
-        </p:nvSpPr>
-        <p:spPr>
-          <a:xfrm>
-            <a:off x="4296426" y="3158647"/>
-            <a:ext cx="2567835" cy="914400"/>
-          </a:xfrm>
-          <a:prstGeom prst="rect">
-            <a:avLst/>
-          </a:prstGeom>
-          <a:ln/>
-        </p:spPr>
-        <p:style>
-          <a:lnRef idx="2">
-            <a:schemeClr val="dk1"/>
-          </a:lnRef>
-          <a:fillRef idx="1">
-            <a:schemeClr val="lt1"/>
-          </a:fillRef>
-          <a:effectRef idx="0">
-            <a:schemeClr val="dk1"/>
-          </a:effectRef>
-          <a:fontRef idx="minor">
-            <a:schemeClr val="dk1"/>
-          </a:fontRef>
-        </p:style>
-        <p:txBody>
-          <a:bodyPr rtlCol="0" anchor="ctr"/>
-          <a:lstStyle/>
-          <a:p>
-            <a:pPr algn="ctr"/>
-            <a:r>
-              <a:rPr lang="zh-CN" altLang="en-US" dirty="0" smtClean="0"/>
-              <a:t>逻辑控制</a:t>
-            </a:r>
-            <a:endParaRPr lang="zh-CN" altLang="en-US" dirty="0"/>
-          </a:p>
-        </p:txBody>
-      </p:sp>
-      <p:sp>
-        <p:nvSpPr>
-          <p:cNvPr id="8" name="矩形 7"/>
-          <p:cNvSpPr/>
-          <p:nvPr/>
-        </p:nvSpPr>
-        <p:spPr>
-          <a:xfrm>
-            <a:off x="4302777" y="1476809"/>
-            <a:ext cx="2567835" cy="914400"/>
-          </a:xfrm>
-          <a:prstGeom prst="rect">
-            <a:avLst/>
-          </a:prstGeom>
-          <a:ln/>
-        </p:spPr>
-        <p:style>
-          <a:lnRef idx="2">
-            <a:schemeClr val="dk1"/>
-          </a:lnRef>
-          <a:fillRef idx="1">
-            <a:schemeClr val="lt1"/>
-          </a:fillRef>
-          <a:effectRef idx="0">
-            <a:schemeClr val="dk1"/>
-          </a:effectRef>
-          <a:fontRef idx="minor">
-            <a:schemeClr val="dk1"/>
-          </a:fontRef>
-        </p:style>
-        <p:txBody>
-          <a:bodyPr rtlCol="0" anchor="ctr"/>
-          <a:lstStyle/>
-          <a:p>
-            <a:pPr algn="ctr"/>
-            <a:r>
-              <a:rPr lang="en-US" altLang="zh-CN" dirty="0" smtClean="0"/>
-              <a:t>UI</a:t>
-            </a:r>
-            <a:r>
-              <a:rPr lang="zh-CN" altLang="en-US" dirty="0" smtClean="0"/>
-              <a:t>交互</a:t>
-            </a:r>
-            <a:endParaRPr lang="zh-CN" altLang="en-US" dirty="0"/>
-          </a:p>
-        </p:txBody>
-      </p:sp>
-      <p:sp>
-        <p:nvSpPr>
-          <p:cNvPr id="9" name="矩形 8"/>
-          <p:cNvSpPr/>
-          <p:nvPr/>
-        </p:nvSpPr>
-        <p:spPr>
-          <a:xfrm>
-            <a:off x="2430049" y="5038072"/>
-            <a:ext cx="1751556" cy="736426"/>
-          </a:xfrm>
-          <a:prstGeom prst="rect">
-            <a:avLst/>
-          </a:prstGeom>
-          <a:ln/>
-        </p:spPr>
-        <p:style>
-          <a:lnRef idx="2">
-            <a:schemeClr val="dk1"/>
-          </a:lnRef>
-          <a:fillRef idx="1">
-            <a:schemeClr val="lt1"/>
-          </a:fillRef>
-          <a:effectRef idx="0">
-            <a:schemeClr val="dk1"/>
-          </a:effectRef>
-          <a:fontRef idx="minor">
-            <a:schemeClr val="dk1"/>
-          </a:fontRef>
-        </p:style>
-        <p:txBody>
-          <a:bodyPr rtlCol="0" anchor="ctr"/>
-          <a:lstStyle/>
-          <a:p>
-            <a:pPr algn="ctr"/>
-            <a:r>
-              <a:rPr lang="zh-CN" altLang="en-US" dirty="0" smtClean="0"/>
-              <a:t>数据操作</a:t>
-            </a:r>
-            <a:endParaRPr lang="en-US" altLang="zh-CN" dirty="0" smtClean="0"/>
-          </a:p>
-        </p:txBody>
-      </p:sp>
-      <p:sp>
-        <p:nvSpPr>
-          <p:cNvPr id="10" name="矩形 9"/>
-          <p:cNvSpPr/>
-          <p:nvPr/>
-        </p:nvSpPr>
-        <p:spPr>
-          <a:xfrm>
-            <a:off x="4704566" y="5038072"/>
-            <a:ext cx="1751556" cy="736426"/>
-          </a:xfrm>
-          <a:prstGeom prst="rect">
-            <a:avLst/>
-          </a:prstGeom>
-          <a:ln/>
-        </p:spPr>
-        <p:style>
-          <a:lnRef idx="2">
-            <a:schemeClr val="dk1"/>
-          </a:lnRef>
-          <a:fillRef idx="1">
-            <a:schemeClr val="lt1"/>
-          </a:fillRef>
-          <a:effectRef idx="0">
-            <a:schemeClr val="dk1"/>
-          </a:effectRef>
-          <a:fontRef idx="minor">
-            <a:schemeClr val="dk1"/>
-          </a:fontRef>
-        </p:style>
-        <p:txBody>
-          <a:bodyPr rtlCol="0" anchor="ctr"/>
-          <a:lstStyle/>
-          <a:p>
-            <a:pPr algn="ctr"/>
-            <a:r>
-              <a:rPr lang="zh-CN" altLang="en-US" dirty="0" smtClean="0"/>
-              <a:t>获取请求</a:t>
-            </a:r>
-            <a:endParaRPr lang="en-US" altLang="zh-CN" dirty="0" smtClean="0"/>
-          </a:p>
-        </p:txBody>
-      </p:sp>
-      <p:sp>
-        <p:nvSpPr>
-          <p:cNvPr id="11" name="矩形 10"/>
-          <p:cNvSpPr/>
-          <p:nvPr/>
-        </p:nvSpPr>
-        <p:spPr>
-          <a:xfrm>
-            <a:off x="6979083" y="5038072"/>
-            <a:ext cx="1751556" cy="736426"/>
-          </a:xfrm>
-          <a:prstGeom prst="rect">
-            <a:avLst/>
-          </a:prstGeom>
-          <a:ln/>
-        </p:spPr>
-        <p:style>
-          <a:lnRef idx="2">
-            <a:schemeClr val="dk1"/>
-          </a:lnRef>
-          <a:fillRef idx="1">
-            <a:schemeClr val="lt1"/>
-          </a:fillRef>
-          <a:effectRef idx="0">
-            <a:schemeClr val="dk1"/>
-          </a:effectRef>
-          <a:fontRef idx="minor">
-            <a:schemeClr val="dk1"/>
-          </a:fontRef>
-        </p:style>
-        <p:txBody>
-          <a:bodyPr rtlCol="0" anchor="ctr"/>
-          <a:lstStyle/>
-          <a:p>
-            <a:pPr algn="ctr"/>
-            <a:r>
-              <a:rPr lang="zh-CN" altLang="en-US" dirty="0"/>
-              <a:t>响应</a:t>
-            </a:r>
-            <a:r>
-              <a:rPr lang="zh-CN" altLang="en-US" dirty="0" smtClean="0"/>
-              <a:t>请求</a:t>
-            </a:r>
-            <a:endParaRPr lang="en-US" altLang="zh-CN" dirty="0" smtClean="0"/>
-          </a:p>
-        </p:txBody>
-      </p:sp>
-      <p:cxnSp>
-        <p:nvCxnSpPr>
-          <p:cNvPr id="13" name="肘形连接符 12"/>
-          <p:cNvCxnSpPr/>
-          <p:nvPr/>
-        </p:nvCxnSpPr>
-        <p:spPr>
-          <a:xfrm rot="16200000" flipV="1">
-            <a:off x="5516411" y="-2240335"/>
-            <a:ext cx="14612" cy="7477520"/>
-          </a:xfrm>
-          <a:prstGeom prst="bentConnector3">
-            <a:avLst>
-              <a:gd name="adj1" fmla="val 8951033"/>
-            </a:avLst>
-          </a:prstGeom>
-          <a:ln>
-            <a:tailEnd type="triangle"/>
-          </a:ln>
-        </p:spPr>
-        <p:style>
-          <a:lnRef idx="1">
-            <a:schemeClr val="dk1"/>
-          </a:lnRef>
-          <a:fillRef idx="0">
-            <a:schemeClr val="dk1"/>
-          </a:fillRef>
-          <a:effectRef idx="0">
-            <a:schemeClr val="dk1"/>
-          </a:effectRef>
-          <a:fontRef idx="minor">
-            <a:schemeClr val="tx1"/>
-          </a:fontRef>
-        </p:style>
-      </p:cxnSp>
-      <p:cxnSp>
-        <p:nvCxnSpPr>
-          <p:cNvPr id="14" name="肘形连接符 13"/>
-          <p:cNvCxnSpPr>
-            <a:endCxn id="5" idx="0"/>
-          </p:cNvCxnSpPr>
-          <p:nvPr/>
-        </p:nvCxnSpPr>
-        <p:spPr>
-          <a:xfrm rot="5400000">
-            <a:off x="5206380" y="2778331"/>
-            <a:ext cx="754281" cy="6351"/>
-          </a:xfrm>
-          <a:prstGeom prst="bentConnector3">
-            <a:avLst>
-              <a:gd name="adj1" fmla="val 50000"/>
-            </a:avLst>
-          </a:prstGeom>
-          <a:ln>
-            <a:tailEnd type="triangle"/>
-          </a:ln>
-        </p:spPr>
-        <p:style>
-          <a:lnRef idx="1">
-            <a:schemeClr val="dk1"/>
-          </a:lnRef>
-          <a:fillRef idx="0">
-            <a:schemeClr val="dk1"/>
-          </a:fillRef>
-          <a:effectRef idx="0">
-            <a:schemeClr val="dk1"/>
-          </a:effectRef>
-          <a:fontRef idx="minor">
-            <a:schemeClr val="tx1"/>
-          </a:fontRef>
-        </p:style>
-      </p:cxnSp>
-      <p:cxnSp>
-        <p:nvCxnSpPr>
-          <p:cNvPr id="20" name="肘形连接符 19"/>
-          <p:cNvCxnSpPr/>
-          <p:nvPr/>
-        </p:nvCxnSpPr>
-        <p:spPr>
-          <a:xfrm rot="16200000" flipH="1">
-            <a:off x="6247616" y="3418300"/>
-            <a:ext cx="965025" cy="2274517"/>
-          </a:xfrm>
-          <a:prstGeom prst="bentConnector3">
-            <a:avLst/>
-          </a:prstGeom>
-        </p:spPr>
-        <p:style>
-          <a:lnRef idx="1">
-            <a:schemeClr val="dk1"/>
-          </a:lnRef>
-          <a:fillRef idx="0">
-            <a:schemeClr val="dk1"/>
-          </a:fillRef>
-          <a:effectRef idx="0">
-            <a:schemeClr val="dk1"/>
-          </a:effectRef>
-          <a:fontRef idx="minor">
-            <a:schemeClr val="tx1"/>
-          </a:fontRef>
-        </p:style>
-      </p:cxnSp>
-      <p:cxnSp>
-        <p:nvCxnSpPr>
-          <p:cNvPr id="21" name="肘形连接符 20"/>
-          <p:cNvCxnSpPr/>
-          <p:nvPr/>
-        </p:nvCxnSpPr>
-        <p:spPr>
-          <a:xfrm rot="5400000">
-            <a:off x="5097832" y="4555560"/>
-            <a:ext cx="965025" cy="12700"/>
-          </a:xfrm>
-          <a:prstGeom prst="bentConnector3">
-            <a:avLst/>
-          </a:prstGeom>
-        </p:spPr>
-        <p:style>
-          <a:lnRef idx="1">
-            <a:schemeClr val="dk1"/>
-          </a:lnRef>
-          <a:fillRef idx="0">
-            <a:schemeClr val="dk1"/>
-          </a:fillRef>
-          <a:effectRef idx="0">
-            <a:schemeClr val="dk1"/>
-          </a:effectRef>
-          <a:fontRef idx="minor">
-            <a:schemeClr val="tx1"/>
-          </a:fontRef>
-        </p:style>
-      </p:cxnSp>
-      <p:cxnSp>
-        <p:nvCxnSpPr>
-          <p:cNvPr id="23" name="肘形连接符 22"/>
-          <p:cNvCxnSpPr>
-            <a:stCxn id="5" idx="2"/>
-            <a:endCxn id="9" idx="0"/>
-          </p:cNvCxnSpPr>
-          <p:nvPr/>
-        </p:nvCxnSpPr>
-        <p:spPr>
-          <a:xfrm rot="5400000">
-            <a:off x="3960574" y="3418301"/>
-            <a:ext cx="965025" cy="2274517"/>
-          </a:xfrm>
-          <a:prstGeom prst="bentConnector3">
-            <a:avLst>
-              <a:gd name="adj1" fmla="val 50000"/>
-            </a:avLst>
-          </a:prstGeom>
-        </p:spPr>
-        <p:style>
-          <a:lnRef idx="1">
-            <a:schemeClr val="dk1"/>
-          </a:lnRef>
-          <a:fillRef idx="0">
-            <a:schemeClr val="dk1"/>
-          </a:fillRef>
-          <a:effectRef idx="0">
-            <a:schemeClr val="dk1"/>
-          </a:effectRef>
-          <a:fontRef idx="minor">
-            <a:schemeClr val="tx1"/>
-          </a:fontRef>
-        </p:style>
-      </p:cxnSp>
-      <p:sp>
-        <p:nvSpPr>
-          <p:cNvPr id="30" name="矩形 29"/>
-          <p:cNvSpPr/>
-          <p:nvPr/>
-        </p:nvSpPr>
-        <p:spPr>
-          <a:xfrm>
-            <a:off x="7978560" y="1505731"/>
-            <a:ext cx="2567835" cy="914400"/>
-          </a:xfrm>
-          <a:prstGeom prst="rect">
-            <a:avLst/>
-          </a:prstGeom>
-          <a:ln/>
-        </p:spPr>
-        <p:style>
-          <a:lnRef idx="2">
-            <a:schemeClr val="dk1"/>
-          </a:lnRef>
-          <a:fillRef idx="1">
-            <a:schemeClr val="lt1"/>
-          </a:fillRef>
-          <a:effectRef idx="0">
-            <a:schemeClr val="dk1"/>
-          </a:effectRef>
-          <a:fontRef idx="minor">
-            <a:schemeClr val="dk1"/>
-          </a:fontRef>
-        </p:style>
-        <p:txBody>
-          <a:bodyPr rtlCol="0" anchor="ctr"/>
-          <a:lstStyle/>
-          <a:p>
-            <a:pPr algn="ctr"/>
-            <a:r>
-              <a:rPr lang="en-US" altLang="zh-CN" dirty="0" smtClean="0"/>
-              <a:t>UI</a:t>
-            </a:r>
-            <a:r>
-              <a:rPr lang="zh-CN" altLang="en-US" dirty="0" smtClean="0"/>
-              <a:t>渲染</a:t>
-            </a:r>
-            <a:endParaRPr lang="en-US" altLang="zh-CN" dirty="0" smtClean="0"/>
-          </a:p>
-        </p:txBody>
-      </p:sp>
-      <p:cxnSp>
-        <p:nvCxnSpPr>
-          <p:cNvPr id="39" name="直接箭头连接符 38"/>
-          <p:cNvCxnSpPr>
-            <a:stCxn id="4" idx="3"/>
-            <a:endCxn id="8" idx="1"/>
-          </p:cNvCxnSpPr>
-          <p:nvPr/>
-        </p:nvCxnSpPr>
-        <p:spPr>
-          <a:xfrm flipV="1">
-            <a:off x="3068875" y="1934009"/>
-            <a:ext cx="1233902" cy="14310"/>
-          </a:xfrm>
-          <a:prstGeom prst="straightConnector1">
-            <a:avLst/>
-          </a:prstGeom>
-          <a:ln>
-            <a:tailEnd type="triangle"/>
-          </a:ln>
-        </p:spPr>
-        <p:style>
-          <a:lnRef idx="1">
-            <a:schemeClr val="dk1"/>
-          </a:lnRef>
-          <a:fillRef idx="0">
-            <a:schemeClr val="dk1"/>
-          </a:fillRef>
-          <a:effectRef idx="0">
-            <a:schemeClr val="dk1"/>
-          </a:effectRef>
-          <a:fontRef idx="minor">
-            <a:schemeClr val="tx1"/>
-          </a:fontRef>
-        </p:style>
-      </p:cxnSp>
-      <p:sp>
-        <p:nvSpPr>
-          <p:cNvPr id="57" name="矩形 56"/>
-          <p:cNvSpPr/>
-          <p:nvPr/>
-        </p:nvSpPr>
-        <p:spPr>
-          <a:xfrm>
-            <a:off x="3855406" y="428481"/>
-            <a:ext cx="1175360" cy="671187"/>
-          </a:xfrm>
-          <a:prstGeom prst="rect">
-            <a:avLst/>
-          </a:prstGeom>
-          <a:ln/>
-        </p:spPr>
-        <p:style>
-          <a:lnRef idx="2">
-            <a:schemeClr val="dk1"/>
-          </a:lnRef>
-          <a:fillRef idx="1">
-            <a:schemeClr val="lt1"/>
-          </a:fillRef>
-          <a:effectRef idx="0">
-            <a:schemeClr val="dk1"/>
-          </a:effectRef>
-          <a:fontRef idx="minor">
-            <a:schemeClr val="dk1"/>
-          </a:fontRef>
-        </p:style>
-        <p:txBody>
-          <a:bodyPr rtlCol="0" anchor="ctr"/>
-          <a:lstStyle/>
-          <a:p>
-            <a:pPr algn="ctr"/>
-            <a:r>
-              <a:rPr lang="zh-CN" altLang="en-US" dirty="0" smtClean="0"/>
-              <a:t>触控</a:t>
-            </a:r>
-            <a:endParaRPr lang="en-US" altLang="zh-CN" dirty="0" smtClean="0"/>
-          </a:p>
-        </p:txBody>
-      </p:sp>
-      <p:sp>
-        <p:nvSpPr>
-          <p:cNvPr id="59" name="矩形 58"/>
-          <p:cNvSpPr/>
-          <p:nvPr/>
-        </p:nvSpPr>
-        <p:spPr>
-          <a:xfrm>
-            <a:off x="6129922" y="431088"/>
-            <a:ext cx="1175360" cy="671187"/>
-          </a:xfrm>
-          <a:prstGeom prst="rect">
-            <a:avLst/>
-          </a:prstGeom>
-          <a:ln/>
-        </p:spPr>
-        <p:style>
-          <a:lnRef idx="2">
-            <a:schemeClr val="dk1"/>
-          </a:lnRef>
-          <a:fillRef idx="1">
-            <a:schemeClr val="lt1"/>
-          </a:fillRef>
-          <a:effectRef idx="0">
-            <a:schemeClr val="dk1"/>
-          </a:effectRef>
-          <a:fontRef idx="minor">
-            <a:schemeClr val="dk1"/>
-          </a:fontRef>
-        </p:style>
-        <p:txBody>
-          <a:bodyPr rtlCol="0" anchor="ctr"/>
-          <a:lstStyle/>
-          <a:p>
-            <a:pPr algn="ctr"/>
-            <a:r>
-              <a:rPr lang="zh-CN" altLang="en-US" dirty="0" smtClean="0"/>
-              <a:t>滑动</a:t>
-            </a:r>
-            <a:endParaRPr lang="en-US" altLang="zh-CN" dirty="0" smtClean="0"/>
-          </a:p>
-        </p:txBody>
-      </p:sp>
-      <p:cxnSp>
-        <p:nvCxnSpPr>
-          <p:cNvPr id="60" name="肘形连接符 59"/>
-          <p:cNvCxnSpPr>
-            <a:stCxn id="5" idx="3"/>
-            <a:endCxn id="30" idx="2"/>
-          </p:cNvCxnSpPr>
-          <p:nvPr/>
-        </p:nvCxnSpPr>
-        <p:spPr>
-          <a:xfrm flipV="1">
-            <a:off x="6864261" y="2420131"/>
-            <a:ext cx="2398217" cy="1195716"/>
-          </a:xfrm>
-          <a:prstGeom prst="bentConnector2">
-            <a:avLst/>
-          </a:prstGeom>
-          <a:ln>
-            <a:headEnd type="none" w="med" len="med"/>
-            <a:tailEnd type="arrow" w="med" len="med"/>
-          </a:ln>
-        </p:spPr>
-        <p:style>
-          <a:lnRef idx="1">
-            <a:schemeClr val="dk1"/>
-          </a:lnRef>
-          <a:fillRef idx="0">
-            <a:schemeClr val="dk1"/>
-          </a:fillRef>
-          <a:effectRef idx="0">
-            <a:schemeClr val="dk1"/>
-          </a:effectRef>
-          <a:fontRef idx="minor">
-            <a:schemeClr val="tx1"/>
-          </a:fontRef>
-        </p:style>
-      </p:cxnSp>
-      <p:cxnSp>
-        <p:nvCxnSpPr>
-          <p:cNvPr id="63" name="肘形连接符 62"/>
-          <p:cNvCxnSpPr>
-            <a:stCxn id="57" idx="2"/>
-            <a:endCxn id="8" idx="0"/>
-          </p:cNvCxnSpPr>
-          <p:nvPr/>
-        </p:nvCxnSpPr>
-        <p:spPr>
-          <a:xfrm rot="16200000" flipH="1">
-            <a:off x="4826320" y="716433"/>
-            <a:ext cx="377141" cy="1143609"/>
-          </a:xfrm>
-          <a:prstGeom prst="bentConnector3">
-            <a:avLst>
-              <a:gd name="adj1" fmla="val 50000"/>
-            </a:avLst>
-          </a:prstGeom>
-        </p:spPr>
-        <p:style>
-          <a:lnRef idx="1">
-            <a:schemeClr val="dk1"/>
-          </a:lnRef>
-          <a:fillRef idx="0">
-            <a:schemeClr val="dk1"/>
-          </a:fillRef>
-          <a:effectRef idx="0">
-            <a:schemeClr val="dk1"/>
-          </a:effectRef>
-          <a:fontRef idx="minor">
-            <a:schemeClr val="tx1"/>
-          </a:fontRef>
-        </p:style>
-      </p:cxnSp>
-      <p:cxnSp>
-        <p:nvCxnSpPr>
-          <p:cNvPr id="66" name="肘形连接符 65"/>
-          <p:cNvCxnSpPr>
-            <a:stCxn id="59" idx="2"/>
-            <a:endCxn id="8" idx="0"/>
-          </p:cNvCxnSpPr>
-          <p:nvPr/>
-        </p:nvCxnSpPr>
-        <p:spPr>
-          <a:xfrm rot="5400000">
-            <a:off x="5964882" y="724089"/>
-            <a:ext cx="374534" cy="1130907"/>
-          </a:xfrm>
-          <a:prstGeom prst="bentConnector3">
-            <a:avLst>
-              <a:gd name="adj1" fmla="val 50000"/>
-            </a:avLst>
-          </a:prstGeom>
-        </p:spPr>
-        <p:style>
-          <a:lnRef idx="1">
-            <a:schemeClr val="dk1"/>
-          </a:lnRef>
-          <a:fillRef idx="0">
-            <a:schemeClr val="dk1"/>
-          </a:fillRef>
-          <a:effectRef idx="0">
-            <a:schemeClr val="dk1"/>
-          </a:effectRef>
-          <a:fontRef idx="minor">
-            <a:schemeClr val="tx1"/>
-          </a:fontRef>
-        </p:style>
-      </p:cxnSp>
-    </p:spTree>
-    <p:extLst>
-      <p:ext uri="{BB962C8B-B14F-4D97-AF65-F5344CB8AC3E}">
-        <p14:creationId xmlns:p14="http://schemas.microsoft.com/office/powerpoint/2010/main" val="1918125265"/>
-      </p:ext>
-    </p:extLst>
-  </p:cSld>
-  <p:clrMapOvr>
-    <a:masterClrMapping/>
-  </p:clrMapOvr>
-</p:sld>
-</file>
-
-<file path=ppt/slides/slide2.xml><?xml version="1.0" encoding="utf-8"?>
-<p:sld xmlns:a="http://schemas.openxmlformats.org/drawingml/2006/main" xmlns:r="http://schemas.openxmlformats.org/officeDocument/2006/relationships" xmlns:p="http://schemas.openxmlformats.org/presentationml/2006/main">
-  <p:cSld>
-    <p:spTree>
-      <p:nvGrpSpPr>
-        <p:cNvPr id="1" name=""/>
-        <p:cNvGrpSpPr/>
-        <p:nvPr/>
-      </p:nvGrpSpPr>
-      <p:grpSpPr>
-        <a:xfrm>
-          <a:off x="0" y="0"/>
-          <a:ext cx="0" cy="0"/>
-          <a:chOff x="0" y="0"/>
-          <a:chExt cx="0" cy="0"/>
-        </a:xfrm>
-      </p:grpSpPr>
-      <p:sp>
-        <p:nvSpPr>
-          <p:cNvPr id="4" name="矩形 3"/>
-          <p:cNvSpPr/>
-          <p:nvPr/>
-        </p:nvSpPr>
-        <p:spPr>
-          <a:xfrm>
             <a:off x="726507" y="1491639"/>
             <a:ext cx="2116900" cy="713462"/>
           </a:xfrm>
@@ -4672,7 +3930,7 @@
 </p:sld>
 </file>
 
-<file path=ppt/slides/slide3.xml><?xml version="1.0" encoding="utf-8"?>
+<file path=ppt/slides/slide2.xml><?xml version="1.0" encoding="utf-8"?>
 <p:sld xmlns:a="http://schemas.openxmlformats.org/drawingml/2006/main" xmlns:r="http://schemas.openxmlformats.org/officeDocument/2006/relationships" xmlns:p="http://schemas.openxmlformats.org/presentationml/2006/main">
   <p:cSld>
     <p:spTree>
@@ -5378,11 +4636,6 @@
                 </a:rPr>
                 <a:t>路由导航</a:t>
               </a:r>
-              <a:endParaRPr lang="zh-CN" altLang="en-US" sz="1400" dirty="0">
-                <a:solidFill>
-                  <a:schemeClr val="tx1"/>
-                </a:solidFill>
-              </a:endParaRPr>
             </a:p>
           </p:txBody>
         </p:sp>
@@ -5431,11 +4684,6 @@
                 </a:rPr>
                 <a:t>系统配置</a:t>
               </a:r>
-              <a:endParaRPr lang="zh-CN" altLang="en-US" sz="1400" dirty="0">
-                <a:solidFill>
-                  <a:schemeClr val="tx1"/>
-                </a:solidFill>
-              </a:endParaRPr>
             </a:p>
           </p:txBody>
         </p:sp>
@@ -6460,6 +5708,1982 @@
 </p:sld>
 </file>
 
+<file path=ppt/slides/slide3.xml><?xml version="1.0" encoding="utf-8"?>
+<p:sld xmlns:a="http://schemas.openxmlformats.org/drawingml/2006/main" xmlns:r="http://schemas.openxmlformats.org/officeDocument/2006/relationships" xmlns:p="http://schemas.openxmlformats.org/presentationml/2006/main">
+  <p:cSld>
+    <p:spTree>
+      <p:nvGrpSpPr>
+        <p:cNvPr id="1" name=""/>
+        <p:cNvGrpSpPr/>
+        <p:nvPr/>
+      </p:nvGrpSpPr>
+      <p:grpSpPr>
+        <a:xfrm>
+          <a:off x="0" y="0"/>
+          <a:ext cx="0" cy="0"/>
+          <a:chOff x="0" y="0"/>
+          <a:chExt cx="0" cy="0"/>
+        </a:xfrm>
+      </p:grpSpPr>
+      <p:sp>
+        <p:nvSpPr>
+          <p:cNvPr id="4" name="矩形 3"/>
+          <p:cNvSpPr/>
+          <p:nvPr/>
+        </p:nvSpPr>
+        <p:spPr>
+          <a:xfrm>
+            <a:off x="2135688" y="1727785"/>
+            <a:ext cx="1657744" cy="830894"/>
+          </a:xfrm>
+          <a:prstGeom prst="rect">
+            <a:avLst/>
+          </a:prstGeom>
+          <a:ln/>
+        </p:spPr>
+        <p:style>
+          <a:lnRef idx="2">
+            <a:schemeClr val="dk1"/>
+          </a:lnRef>
+          <a:fillRef idx="1">
+            <a:schemeClr val="lt1"/>
+          </a:fillRef>
+          <a:effectRef idx="0">
+            <a:schemeClr val="dk1"/>
+          </a:effectRef>
+          <a:fontRef idx="minor">
+            <a:schemeClr val="dk1"/>
+          </a:fontRef>
+        </p:style>
+        <p:txBody>
+          <a:bodyPr rtlCol="0" anchor="ctr"/>
+          <a:lstStyle/>
+          <a:p>
+            <a:pPr algn="ctr"/>
+            <a:r>
+              <a:rPr lang="zh-CN" altLang="en-US" dirty="0" smtClean="0"/>
+              <a:t>查看评论</a:t>
+            </a:r>
+            <a:endParaRPr lang="en-US" altLang="zh-CN" dirty="0" smtClean="0"/>
+          </a:p>
+        </p:txBody>
+      </p:sp>
+      <p:sp>
+        <p:nvSpPr>
+          <p:cNvPr id="5" name="矩形 4"/>
+          <p:cNvSpPr/>
+          <p:nvPr/>
+        </p:nvSpPr>
+        <p:spPr>
+          <a:xfrm>
+            <a:off x="4992360" y="2878942"/>
+            <a:ext cx="2567835" cy="914400"/>
+          </a:xfrm>
+          <a:prstGeom prst="rect">
+            <a:avLst/>
+          </a:prstGeom>
+          <a:ln/>
+        </p:spPr>
+        <p:style>
+          <a:lnRef idx="2">
+            <a:schemeClr val="dk1"/>
+          </a:lnRef>
+          <a:fillRef idx="1">
+            <a:schemeClr val="lt1"/>
+          </a:fillRef>
+          <a:effectRef idx="0">
+            <a:schemeClr val="dk1"/>
+          </a:effectRef>
+          <a:fontRef idx="minor">
+            <a:schemeClr val="dk1"/>
+          </a:fontRef>
+        </p:style>
+        <p:txBody>
+          <a:bodyPr rtlCol="0" anchor="ctr"/>
+          <a:lstStyle/>
+          <a:p>
+            <a:pPr algn="ctr"/>
+            <a:r>
+              <a:rPr lang="zh-CN" altLang="en-US" dirty="0" smtClean="0"/>
+              <a:t>添加评论</a:t>
+            </a:r>
+            <a:endParaRPr lang="zh-CN" altLang="en-US" dirty="0"/>
+          </a:p>
+        </p:txBody>
+      </p:sp>
+      <p:cxnSp>
+        <p:nvCxnSpPr>
+          <p:cNvPr id="13" name="肘形连接符 12"/>
+          <p:cNvCxnSpPr>
+            <a:stCxn id="35" idx="3"/>
+            <a:endCxn id="22" idx="2"/>
+          </p:cNvCxnSpPr>
+          <p:nvPr/>
+        </p:nvCxnSpPr>
+        <p:spPr>
+          <a:xfrm flipV="1">
+            <a:off x="1591328" y="3866411"/>
+            <a:ext cx="1371077" cy="1290267"/>
+          </a:xfrm>
+          <a:prstGeom prst="bentConnector2">
+            <a:avLst/>
+          </a:prstGeom>
+          <a:ln>
+            <a:tailEnd type="triangle"/>
+          </a:ln>
+        </p:spPr>
+        <p:style>
+          <a:lnRef idx="1">
+            <a:schemeClr val="dk1"/>
+          </a:lnRef>
+          <a:fillRef idx="0">
+            <a:schemeClr val="dk1"/>
+          </a:fillRef>
+          <a:effectRef idx="0">
+            <a:schemeClr val="dk1"/>
+          </a:effectRef>
+          <a:fontRef idx="minor">
+            <a:schemeClr val="tx1"/>
+          </a:fontRef>
+        </p:style>
+      </p:cxnSp>
+      <p:sp>
+        <p:nvSpPr>
+          <p:cNvPr id="30" name="矩形 29"/>
+          <p:cNvSpPr/>
+          <p:nvPr/>
+        </p:nvSpPr>
+        <p:spPr>
+          <a:xfrm>
+            <a:off x="8367387" y="2869785"/>
+            <a:ext cx="2587148" cy="885979"/>
+          </a:xfrm>
+          <a:prstGeom prst="rect">
+            <a:avLst/>
+          </a:prstGeom>
+          <a:ln/>
+        </p:spPr>
+        <p:style>
+          <a:lnRef idx="2">
+            <a:schemeClr val="dk1"/>
+          </a:lnRef>
+          <a:fillRef idx="1">
+            <a:schemeClr val="lt1"/>
+          </a:fillRef>
+          <a:effectRef idx="0">
+            <a:schemeClr val="dk1"/>
+          </a:effectRef>
+          <a:fontRef idx="minor">
+            <a:schemeClr val="dk1"/>
+          </a:fontRef>
+        </p:style>
+        <p:txBody>
+          <a:bodyPr rtlCol="0" anchor="ctr"/>
+          <a:lstStyle/>
+          <a:p>
+            <a:pPr algn="ctr"/>
+            <a:r>
+              <a:rPr lang="zh-CN" altLang="en-US" dirty="0" smtClean="0"/>
+              <a:t>发布评论</a:t>
+            </a:r>
+            <a:endParaRPr lang="en-US" altLang="zh-CN" dirty="0" smtClean="0"/>
+          </a:p>
+        </p:txBody>
+      </p:sp>
+      <p:cxnSp>
+        <p:nvCxnSpPr>
+          <p:cNvPr id="39" name="直接箭头连接符 38"/>
+          <p:cNvCxnSpPr>
+            <a:stCxn id="4" idx="3"/>
+            <a:endCxn id="67" idx="1"/>
+          </p:cNvCxnSpPr>
+          <p:nvPr/>
+        </p:nvCxnSpPr>
+        <p:spPr>
+          <a:xfrm>
+            <a:off x="3793432" y="2143232"/>
+            <a:ext cx="7028104" cy="20835"/>
+          </a:xfrm>
+          <a:prstGeom prst="straightConnector1">
+            <a:avLst/>
+          </a:prstGeom>
+          <a:ln>
+            <a:tailEnd type="triangle"/>
+          </a:ln>
+        </p:spPr>
+        <p:style>
+          <a:lnRef idx="1">
+            <a:schemeClr val="dk1"/>
+          </a:lnRef>
+          <a:fillRef idx="0">
+            <a:schemeClr val="dk1"/>
+          </a:fillRef>
+          <a:effectRef idx="0">
+            <a:schemeClr val="dk1"/>
+          </a:effectRef>
+          <a:fontRef idx="minor">
+            <a:schemeClr val="tx1"/>
+          </a:fontRef>
+        </p:style>
+      </p:cxnSp>
+      <p:cxnSp>
+        <p:nvCxnSpPr>
+          <p:cNvPr id="60" name="肘形连接符 59"/>
+          <p:cNvCxnSpPr>
+            <a:stCxn id="30" idx="3"/>
+            <a:endCxn id="67" idx="2"/>
+          </p:cNvCxnSpPr>
+          <p:nvPr/>
+        </p:nvCxnSpPr>
+        <p:spPr>
+          <a:xfrm flipV="1">
+            <a:off x="10954535" y="2377009"/>
+            <a:ext cx="525463" cy="935766"/>
+          </a:xfrm>
+          <a:prstGeom prst="bentConnector2">
+            <a:avLst/>
+          </a:prstGeom>
+          <a:ln>
+            <a:headEnd type="none" w="med" len="med"/>
+            <a:tailEnd type="arrow" w="med" len="med"/>
+          </a:ln>
+        </p:spPr>
+        <p:style>
+          <a:lnRef idx="1">
+            <a:schemeClr val="dk1"/>
+          </a:lnRef>
+          <a:fillRef idx="0">
+            <a:schemeClr val="dk1"/>
+          </a:fillRef>
+          <a:effectRef idx="0">
+            <a:schemeClr val="dk1"/>
+          </a:effectRef>
+          <a:fontRef idx="minor">
+            <a:schemeClr val="tx1"/>
+          </a:fontRef>
+        </p:style>
+      </p:cxnSp>
+      <p:sp>
+        <p:nvSpPr>
+          <p:cNvPr id="12" name="流程图: 可选过程 11"/>
+          <p:cNvSpPr/>
+          <p:nvPr/>
+        </p:nvSpPr>
+        <p:spPr>
+          <a:xfrm>
+            <a:off x="156317" y="1717631"/>
+            <a:ext cx="1340544" cy="914400"/>
+          </a:xfrm>
+          <a:prstGeom prst="flowChartAlternateProcess">
+            <a:avLst/>
+          </a:prstGeom>
+          <a:noFill/>
+          <a:ln>
+            <a:solidFill>
+              <a:schemeClr val="tx1"/>
+            </a:solidFill>
+          </a:ln>
+        </p:spPr>
+        <p:style>
+          <a:lnRef idx="2">
+            <a:schemeClr val="accent1">
+              <a:shade val="50000"/>
+            </a:schemeClr>
+          </a:lnRef>
+          <a:fillRef idx="1">
+            <a:schemeClr val="accent1"/>
+          </a:fillRef>
+          <a:effectRef idx="0">
+            <a:schemeClr val="accent1"/>
+          </a:effectRef>
+          <a:fontRef idx="minor">
+            <a:schemeClr val="lt1"/>
+          </a:fontRef>
+        </p:style>
+        <p:txBody>
+          <a:bodyPr rtlCol="0" anchor="ctr"/>
+          <a:lstStyle/>
+          <a:p>
+            <a:pPr algn="ctr"/>
+            <a:r>
+              <a:rPr lang="zh-CN" altLang="en-US" dirty="0" smtClean="0">
+                <a:solidFill>
+                  <a:schemeClr val="tx1"/>
+                </a:solidFill>
+              </a:rPr>
+              <a:t>选择分类</a:t>
+            </a:r>
+            <a:endParaRPr lang="zh-CN" altLang="en-US" dirty="0">
+              <a:solidFill>
+                <a:schemeClr val="tx1"/>
+              </a:solidFill>
+            </a:endParaRPr>
+          </a:p>
+        </p:txBody>
+      </p:sp>
+      <p:grpSp>
+        <p:nvGrpSpPr>
+          <p:cNvPr id="19" name="组合 18"/>
+          <p:cNvGrpSpPr/>
+          <p:nvPr/>
+        </p:nvGrpSpPr>
+        <p:grpSpPr>
+          <a:xfrm>
+            <a:off x="41799" y="2615853"/>
+            <a:ext cx="1586586" cy="1463544"/>
+            <a:chOff x="41799" y="2615853"/>
+            <a:chExt cx="1586586" cy="1463544"/>
+          </a:xfrm>
+        </p:grpSpPr>
+        <p:cxnSp>
+          <p:nvCxnSpPr>
+            <p:cNvPr id="29" name="直接箭头连接符 28"/>
+            <p:cNvCxnSpPr/>
+            <p:nvPr/>
+          </p:nvCxnSpPr>
+          <p:spPr>
+            <a:xfrm flipH="1">
+              <a:off x="789139" y="2615853"/>
+              <a:ext cx="1958" cy="691018"/>
+            </a:xfrm>
+            <a:prstGeom prst="straightConnector1">
+              <a:avLst/>
+            </a:prstGeom>
+            <a:ln>
+              <a:tailEnd type="triangle"/>
+            </a:ln>
+          </p:spPr>
+          <p:style>
+            <a:lnRef idx="1">
+              <a:schemeClr val="dk1"/>
+            </a:lnRef>
+            <a:fillRef idx="0">
+              <a:schemeClr val="dk1"/>
+            </a:fillRef>
+            <a:effectRef idx="0">
+              <a:schemeClr val="dk1"/>
+            </a:effectRef>
+            <a:fontRef idx="minor">
+              <a:schemeClr val="tx1"/>
+            </a:fontRef>
+          </p:style>
+        </p:cxnSp>
+        <p:sp>
+          <p:nvSpPr>
+            <p:cNvPr id="31" name="矩形 30"/>
+            <p:cNvSpPr/>
+            <p:nvPr/>
+          </p:nvSpPr>
+          <p:spPr>
+            <a:xfrm>
+              <a:off x="41799" y="3306871"/>
+              <a:ext cx="1586586" cy="772526"/>
+            </a:xfrm>
+            <a:prstGeom prst="rect">
+              <a:avLst/>
+            </a:prstGeom>
+            <a:ln/>
+          </p:spPr>
+          <p:style>
+            <a:lnRef idx="2">
+              <a:schemeClr val="dk1"/>
+            </a:lnRef>
+            <a:fillRef idx="1">
+              <a:schemeClr val="lt1"/>
+            </a:fillRef>
+            <a:effectRef idx="0">
+              <a:schemeClr val="dk1"/>
+            </a:effectRef>
+            <a:fontRef idx="minor">
+              <a:schemeClr val="dk1"/>
+            </a:fontRef>
+          </p:style>
+          <p:txBody>
+            <a:bodyPr rtlCol="0" anchor="ctr"/>
+            <a:lstStyle/>
+            <a:p>
+              <a:pPr algn="ctr"/>
+              <a:r>
+                <a:rPr lang="zh-CN" altLang="en-US" dirty="0" smtClean="0"/>
+                <a:t>内容查看</a:t>
+              </a:r>
+              <a:endParaRPr lang="en-US" altLang="zh-CN" dirty="0" smtClean="0"/>
+            </a:p>
+          </p:txBody>
+        </p:sp>
+      </p:grpSp>
+      <p:grpSp>
+        <p:nvGrpSpPr>
+          <p:cNvPr id="33" name="组合 32"/>
+          <p:cNvGrpSpPr/>
+          <p:nvPr/>
+        </p:nvGrpSpPr>
+        <p:grpSpPr>
+          <a:xfrm>
+            <a:off x="4742" y="4079397"/>
+            <a:ext cx="1586586" cy="1463544"/>
+            <a:chOff x="41799" y="2615853"/>
+            <a:chExt cx="1586586" cy="1463544"/>
+          </a:xfrm>
+        </p:grpSpPr>
+        <p:cxnSp>
+          <p:nvCxnSpPr>
+            <p:cNvPr id="34" name="直接箭头连接符 33"/>
+            <p:cNvCxnSpPr/>
+            <p:nvPr/>
+          </p:nvCxnSpPr>
+          <p:spPr>
+            <a:xfrm flipH="1">
+              <a:off x="789139" y="2615853"/>
+              <a:ext cx="1958" cy="691018"/>
+            </a:xfrm>
+            <a:prstGeom prst="straightConnector1">
+              <a:avLst/>
+            </a:prstGeom>
+            <a:ln>
+              <a:tailEnd type="triangle"/>
+            </a:ln>
+          </p:spPr>
+          <p:style>
+            <a:lnRef idx="1">
+              <a:schemeClr val="dk1"/>
+            </a:lnRef>
+            <a:fillRef idx="0">
+              <a:schemeClr val="dk1"/>
+            </a:fillRef>
+            <a:effectRef idx="0">
+              <a:schemeClr val="dk1"/>
+            </a:effectRef>
+            <a:fontRef idx="minor">
+              <a:schemeClr val="tx1"/>
+            </a:fontRef>
+          </p:style>
+        </p:cxnSp>
+        <p:sp>
+          <p:nvSpPr>
+            <p:cNvPr id="35" name="矩形 34"/>
+            <p:cNvSpPr/>
+            <p:nvPr/>
+          </p:nvSpPr>
+          <p:spPr>
+            <a:xfrm>
+              <a:off x="41799" y="3306871"/>
+              <a:ext cx="1586586" cy="772526"/>
+            </a:xfrm>
+            <a:prstGeom prst="rect">
+              <a:avLst/>
+            </a:prstGeom>
+            <a:ln/>
+          </p:spPr>
+          <p:style>
+            <a:lnRef idx="2">
+              <a:schemeClr val="dk1"/>
+            </a:lnRef>
+            <a:fillRef idx="1">
+              <a:schemeClr val="lt1"/>
+            </a:fillRef>
+            <a:effectRef idx="0">
+              <a:schemeClr val="dk1"/>
+            </a:effectRef>
+            <a:fontRef idx="minor">
+              <a:schemeClr val="dk1"/>
+            </a:fontRef>
+          </p:style>
+          <p:txBody>
+            <a:bodyPr rtlCol="0" anchor="ctr"/>
+            <a:lstStyle/>
+            <a:p>
+              <a:pPr algn="ctr"/>
+              <a:r>
+                <a:rPr lang="zh-CN" altLang="en-US" dirty="0"/>
+                <a:t>触</a:t>
+              </a:r>
+              <a:r>
+                <a:rPr lang="zh-CN" altLang="en-US" dirty="0" smtClean="0"/>
+                <a:t>控查看详情</a:t>
+              </a:r>
+              <a:endParaRPr lang="en-US" altLang="zh-CN" dirty="0" smtClean="0"/>
+            </a:p>
+          </p:txBody>
+        </p:sp>
+      </p:grpSp>
+      <p:sp>
+        <p:nvSpPr>
+          <p:cNvPr id="22" name="流程图: 决策 21"/>
+          <p:cNvSpPr/>
+          <p:nvPr/>
+        </p:nvSpPr>
+        <p:spPr>
+          <a:xfrm>
+            <a:off x="2135688" y="2842889"/>
+            <a:ext cx="1653434" cy="1023522"/>
+          </a:xfrm>
+          <a:prstGeom prst="flowChartDecision">
+            <a:avLst/>
+          </a:prstGeom>
+          <a:noFill/>
+          <a:ln>
+            <a:solidFill>
+              <a:schemeClr val="tx1"/>
+            </a:solidFill>
+          </a:ln>
+        </p:spPr>
+        <p:style>
+          <a:lnRef idx="2">
+            <a:schemeClr val="accent1">
+              <a:shade val="50000"/>
+            </a:schemeClr>
+          </a:lnRef>
+          <a:fillRef idx="1">
+            <a:schemeClr val="accent1"/>
+          </a:fillRef>
+          <a:effectRef idx="0">
+            <a:schemeClr val="accent1"/>
+          </a:effectRef>
+          <a:fontRef idx="minor">
+            <a:schemeClr val="lt1"/>
+          </a:fontRef>
+        </p:style>
+        <p:txBody>
+          <a:bodyPr rtlCol="0" anchor="ctr"/>
+          <a:lstStyle/>
+          <a:p>
+            <a:pPr algn="ctr"/>
+            <a:r>
+              <a:rPr lang="zh-CN" altLang="en-US" dirty="0" smtClean="0">
+                <a:solidFill>
+                  <a:schemeClr val="tx1"/>
+                </a:solidFill>
+              </a:rPr>
+              <a:t>评论</a:t>
+            </a:r>
+            <a:endParaRPr lang="zh-CN" altLang="en-US" dirty="0">
+              <a:solidFill>
+                <a:schemeClr val="tx1"/>
+              </a:solidFill>
+            </a:endParaRPr>
+          </a:p>
+        </p:txBody>
+      </p:sp>
+      <p:cxnSp>
+        <p:nvCxnSpPr>
+          <p:cNvPr id="40" name="直接箭头连接符 39"/>
+          <p:cNvCxnSpPr/>
+          <p:nvPr/>
+        </p:nvCxnSpPr>
+        <p:spPr>
+          <a:xfrm>
+            <a:off x="3789122" y="3354650"/>
+            <a:ext cx="1203238" cy="0"/>
+          </a:xfrm>
+          <a:prstGeom prst="straightConnector1">
+            <a:avLst/>
+          </a:prstGeom>
+          <a:ln>
+            <a:tailEnd type="triangle"/>
+          </a:ln>
+        </p:spPr>
+        <p:style>
+          <a:lnRef idx="1">
+            <a:schemeClr val="dk1"/>
+          </a:lnRef>
+          <a:fillRef idx="0">
+            <a:schemeClr val="dk1"/>
+          </a:fillRef>
+          <a:effectRef idx="0">
+            <a:schemeClr val="dk1"/>
+          </a:effectRef>
+          <a:fontRef idx="minor">
+            <a:schemeClr val="tx1"/>
+          </a:fontRef>
+        </p:style>
+      </p:cxnSp>
+      <p:cxnSp>
+        <p:nvCxnSpPr>
+          <p:cNvPr id="43" name="直接箭头连接符 42"/>
+          <p:cNvCxnSpPr>
+            <a:stCxn id="22" idx="0"/>
+            <a:endCxn id="4" idx="2"/>
+          </p:cNvCxnSpPr>
+          <p:nvPr/>
+        </p:nvCxnSpPr>
+        <p:spPr>
+          <a:xfrm flipV="1">
+            <a:off x="2962405" y="2558679"/>
+            <a:ext cx="2155" cy="284210"/>
+          </a:xfrm>
+          <a:prstGeom prst="straightConnector1">
+            <a:avLst/>
+          </a:prstGeom>
+          <a:ln>
+            <a:tailEnd type="triangle"/>
+          </a:ln>
+        </p:spPr>
+        <p:style>
+          <a:lnRef idx="1">
+            <a:schemeClr val="dk1"/>
+          </a:lnRef>
+          <a:fillRef idx="0">
+            <a:schemeClr val="dk1"/>
+          </a:fillRef>
+          <a:effectRef idx="0">
+            <a:schemeClr val="dk1"/>
+          </a:effectRef>
+          <a:fontRef idx="minor">
+            <a:schemeClr val="tx1"/>
+          </a:fontRef>
+        </p:style>
+      </p:cxnSp>
+      <p:sp>
+        <p:nvSpPr>
+          <p:cNvPr id="67" name="流程图: 终止 66"/>
+          <p:cNvSpPr/>
+          <p:nvPr/>
+        </p:nvSpPr>
+        <p:spPr>
+          <a:xfrm>
+            <a:off x="10821536" y="1951124"/>
+            <a:ext cx="1316924" cy="425885"/>
+          </a:xfrm>
+          <a:prstGeom prst="flowChartTerminator">
+            <a:avLst/>
+          </a:prstGeom>
+          <a:noFill/>
+          <a:ln>
+            <a:solidFill>
+              <a:schemeClr val="tx1"/>
+            </a:solidFill>
+          </a:ln>
+        </p:spPr>
+        <p:style>
+          <a:lnRef idx="2">
+            <a:schemeClr val="accent1">
+              <a:shade val="50000"/>
+            </a:schemeClr>
+          </a:lnRef>
+          <a:fillRef idx="1">
+            <a:schemeClr val="accent1"/>
+          </a:fillRef>
+          <a:effectRef idx="0">
+            <a:schemeClr val="accent1"/>
+          </a:effectRef>
+          <a:fontRef idx="minor">
+            <a:schemeClr val="lt1"/>
+          </a:fontRef>
+        </p:style>
+        <p:txBody>
+          <a:bodyPr rtlCol="0" anchor="ctr"/>
+          <a:lstStyle/>
+          <a:p>
+            <a:pPr algn="ctr"/>
+            <a:r>
+              <a:rPr lang="zh-CN" altLang="en-US" dirty="0">
+                <a:solidFill>
+                  <a:schemeClr val="tx1"/>
+                </a:solidFill>
+              </a:rPr>
+              <a:t>返回界面</a:t>
+            </a:r>
+          </a:p>
+        </p:txBody>
+      </p:sp>
+      <p:cxnSp>
+        <p:nvCxnSpPr>
+          <p:cNvPr id="68" name="直接箭头连接符 67"/>
+          <p:cNvCxnSpPr/>
+          <p:nvPr/>
+        </p:nvCxnSpPr>
+        <p:spPr>
+          <a:xfrm>
+            <a:off x="7560195" y="3354650"/>
+            <a:ext cx="807192" cy="0"/>
+          </a:xfrm>
+          <a:prstGeom prst="straightConnector1">
+            <a:avLst/>
+          </a:prstGeom>
+          <a:ln>
+            <a:tailEnd type="triangle"/>
+          </a:ln>
+        </p:spPr>
+        <p:style>
+          <a:lnRef idx="1">
+            <a:schemeClr val="dk1"/>
+          </a:lnRef>
+          <a:fillRef idx="0">
+            <a:schemeClr val="dk1"/>
+          </a:fillRef>
+          <a:effectRef idx="0">
+            <a:schemeClr val="dk1"/>
+          </a:effectRef>
+          <a:fontRef idx="minor">
+            <a:schemeClr val="tx1"/>
+          </a:fontRef>
+        </p:style>
+      </p:cxnSp>
+      <p:sp>
+        <p:nvSpPr>
+          <p:cNvPr id="3" name="文本框 2"/>
+          <p:cNvSpPr txBox="1"/>
+          <p:nvPr/>
+        </p:nvSpPr>
+        <p:spPr>
+          <a:xfrm>
+            <a:off x="4161034" y="2985318"/>
+            <a:ext cx="870560" cy="369332"/>
+          </a:xfrm>
+          <a:prstGeom prst="rect">
+            <a:avLst/>
+          </a:prstGeom>
+          <a:noFill/>
+        </p:spPr>
+        <p:txBody>
+          <a:bodyPr wrap="square" rtlCol="0">
+            <a:spAutoFit/>
+          </a:bodyPr>
+          <a:lstStyle/>
+          <a:p>
+            <a:r>
+              <a:rPr lang="en-US" altLang="zh-CN" dirty="0" smtClean="0"/>
+              <a:t>Y</a:t>
+            </a:r>
+            <a:endParaRPr lang="zh-CN" altLang="en-US" dirty="0"/>
+          </a:p>
+        </p:txBody>
+      </p:sp>
+      <p:sp>
+        <p:nvSpPr>
+          <p:cNvPr id="23" name="文本框 22"/>
+          <p:cNvSpPr txBox="1"/>
+          <p:nvPr/>
+        </p:nvSpPr>
+        <p:spPr>
+          <a:xfrm>
+            <a:off x="2973878" y="2548087"/>
+            <a:ext cx="870560" cy="369332"/>
+          </a:xfrm>
+          <a:prstGeom prst="rect">
+            <a:avLst/>
+          </a:prstGeom>
+          <a:noFill/>
+        </p:spPr>
+        <p:txBody>
+          <a:bodyPr wrap="square" rtlCol="0">
+            <a:spAutoFit/>
+          </a:bodyPr>
+          <a:lstStyle/>
+          <a:p>
+            <a:r>
+              <a:rPr lang="en-US" altLang="zh-CN" dirty="0" smtClean="0"/>
+              <a:t>N</a:t>
+            </a:r>
+            <a:endParaRPr lang="zh-CN" altLang="en-US" dirty="0"/>
+          </a:p>
+        </p:txBody>
+      </p:sp>
+    </p:spTree>
+    <p:extLst>
+      <p:ext uri="{BB962C8B-B14F-4D97-AF65-F5344CB8AC3E}">
+        <p14:creationId xmlns:p14="http://schemas.microsoft.com/office/powerpoint/2010/main" val="1918125265"/>
+      </p:ext>
+    </p:extLst>
+  </p:cSld>
+  <p:clrMapOvr>
+    <a:masterClrMapping/>
+  </p:clrMapOvr>
+</p:sld>
+</file>
+
+<file path=ppt/slides/slide4.xml><?xml version="1.0" encoding="utf-8"?>
+<p:sld xmlns:a="http://schemas.openxmlformats.org/drawingml/2006/main" xmlns:r="http://schemas.openxmlformats.org/officeDocument/2006/relationships" xmlns:p="http://schemas.openxmlformats.org/presentationml/2006/main">
+  <p:cSld>
+    <p:spTree>
+      <p:nvGrpSpPr>
+        <p:cNvPr id="1" name=""/>
+        <p:cNvGrpSpPr/>
+        <p:nvPr/>
+      </p:nvGrpSpPr>
+      <p:grpSpPr>
+        <a:xfrm>
+          <a:off x="0" y="0"/>
+          <a:ext cx="0" cy="0"/>
+          <a:chOff x="0" y="0"/>
+          <a:chExt cx="0" cy="0"/>
+        </a:xfrm>
+      </p:grpSpPr>
+      <p:sp>
+        <p:nvSpPr>
+          <p:cNvPr id="4" name="矩形 3"/>
+          <p:cNvSpPr/>
+          <p:nvPr/>
+        </p:nvSpPr>
+        <p:spPr>
+          <a:xfrm>
+            <a:off x="2135688" y="1727785"/>
+            <a:ext cx="1657744" cy="830894"/>
+          </a:xfrm>
+          <a:prstGeom prst="rect">
+            <a:avLst/>
+          </a:prstGeom>
+          <a:ln/>
+        </p:spPr>
+        <p:style>
+          <a:lnRef idx="2">
+            <a:schemeClr val="dk1"/>
+          </a:lnRef>
+          <a:fillRef idx="1">
+            <a:schemeClr val="lt1"/>
+          </a:fillRef>
+          <a:effectRef idx="0">
+            <a:schemeClr val="dk1"/>
+          </a:effectRef>
+          <a:fontRef idx="minor">
+            <a:schemeClr val="dk1"/>
+          </a:fontRef>
+        </p:style>
+        <p:txBody>
+          <a:bodyPr rtlCol="0" anchor="ctr"/>
+          <a:lstStyle/>
+          <a:p>
+            <a:pPr algn="ctr"/>
+            <a:r>
+              <a:rPr lang="zh-CN" altLang="en-US" dirty="0" smtClean="0"/>
+              <a:t>查看评论</a:t>
+            </a:r>
+            <a:endParaRPr lang="en-US" altLang="zh-CN" dirty="0" smtClean="0"/>
+          </a:p>
+        </p:txBody>
+      </p:sp>
+      <p:sp>
+        <p:nvSpPr>
+          <p:cNvPr id="5" name="矩形 4"/>
+          <p:cNvSpPr/>
+          <p:nvPr/>
+        </p:nvSpPr>
+        <p:spPr>
+          <a:xfrm>
+            <a:off x="4992360" y="2632031"/>
+            <a:ext cx="2567835" cy="914400"/>
+          </a:xfrm>
+          <a:prstGeom prst="rect">
+            <a:avLst/>
+          </a:prstGeom>
+          <a:ln/>
+        </p:spPr>
+        <p:style>
+          <a:lnRef idx="2">
+            <a:schemeClr val="dk1"/>
+          </a:lnRef>
+          <a:fillRef idx="1">
+            <a:schemeClr val="lt1"/>
+          </a:fillRef>
+          <a:effectRef idx="0">
+            <a:schemeClr val="dk1"/>
+          </a:effectRef>
+          <a:fontRef idx="minor">
+            <a:schemeClr val="dk1"/>
+          </a:fontRef>
+        </p:style>
+        <p:txBody>
+          <a:bodyPr rtlCol="0" anchor="ctr"/>
+          <a:lstStyle/>
+          <a:p>
+            <a:pPr algn="ctr"/>
+            <a:r>
+              <a:rPr lang="zh-CN" altLang="en-US" dirty="0" smtClean="0"/>
+              <a:t>添加评论</a:t>
+            </a:r>
+            <a:endParaRPr lang="zh-CN" altLang="en-US" dirty="0"/>
+          </a:p>
+        </p:txBody>
+      </p:sp>
+      <p:sp>
+        <p:nvSpPr>
+          <p:cNvPr id="30" name="矩形 29"/>
+          <p:cNvSpPr/>
+          <p:nvPr/>
+        </p:nvSpPr>
+        <p:spPr>
+          <a:xfrm>
+            <a:off x="8367387" y="2621309"/>
+            <a:ext cx="2587148" cy="885979"/>
+          </a:xfrm>
+          <a:prstGeom prst="rect">
+            <a:avLst/>
+          </a:prstGeom>
+          <a:ln/>
+        </p:spPr>
+        <p:style>
+          <a:lnRef idx="2">
+            <a:schemeClr val="dk1"/>
+          </a:lnRef>
+          <a:fillRef idx="1">
+            <a:schemeClr val="lt1"/>
+          </a:fillRef>
+          <a:effectRef idx="0">
+            <a:schemeClr val="dk1"/>
+          </a:effectRef>
+          <a:fontRef idx="minor">
+            <a:schemeClr val="dk1"/>
+          </a:fontRef>
+        </p:style>
+        <p:txBody>
+          <a:bodyPr rtlCol="0" anchor="ctr"/>
+          <a:lstStyle/>
+          <a:p>
+            <a:pPr algn="ctr"/>
+            <a:r>
+              <a:rPr lang="zh-CN" altLang="en-US" dirty="0" smtClean="0"/>
+              <a:t>发布</a:t>
+            </a:r>
+            <a:endParaRPr lang="en-US" altLang="zh-CN" dirty="0" smtClean="0"/>
+          </a:p>
+        </p:txBody>
+      </p:sp>
+      <p:cxnSp>
+        <p:nvCxnSpPr>
+          <p:cNvPr id="60" name="肘形连接符 59"/>
+          <p:cNvCxnSpPr>
+            <a:stCxn id="30" idx="3"/>
+            <a:endCxn id="67" idx="2"/>
+          </p:cNvCxnSpPr>
+          <p:nvPr/>
+        </p:nvCxnSpPr>
+        <p:spPr>
+          <a:xfrm flipV="1">
+            <a:off x="10954535" y="1172749"/>
+            <a:ext cx="403639" cy="1891550"/>
+          </a:xfrm>
+          <a:prstGeom prst="bentConnector2">
+            <a:avLst/>
+          </a:prstGeom>
+          <a:ln>
+            <a:headEnd type="none" w="med" len="med"/>
+            <a:tailEnd type="arrow" w="med" len="med"/>
+          </a:ln>
+        </p:spPr>
+        <p:style>
+          <a:lnRef idx="1">
+            <a:schemeClr val="dk1"/>
+          </a:lnRef>
+          <a:fillRef idx="0">
+            <a:schemeClr val="dk1"/>
+          </a:fillRef>
+          <a:effectRef idx="0">
+            <a:schemeClr val="dk1"/>
+          </a:effectRef>
+          <a:fontRef idx="minor">
+            <a:schemeClr val="tx1"/>
+          </a:fontRef>
+        </p:style>
+      </p:cxnSp>
+      <p:sp>
+        <p:nvSpPr>
+          <p:cNvPr id="12" name="流程图: 可选过程 11"/>
+          <p:cNvSpPr/>
+          <p:nvPr/>
+        </p:nvSpPr>
+        <p:spPr>
+          <a:xfrm>
+            <a:off x="156317" y="1717631"/>
+            <a:ext cx="1340544" cy="914400"/>
+          </a:xfrm>
+          <a:prstGeom prst="flowChartAlternateProcess">
+            <a:avLst/>
+          </a:prstGeom>
+          <a:noFill/>
+          <a:ln>
+            <a:solidFill>
+              <a:schemeClr val="tx1"/>
+            </a:solidFill>
+          </a:ln>
+        </p:spPr>
+        <p:style>
+          <a:lnRef idx="2">
+            <a:schemeClr val="accent1">
+              <a:shade val="50000"/>
+            </a:schemeClr>
+          </a:lnRef>
+          <a:fillRef idx="1">
+            <a:schemeClr val="accent1"/>
+          </a:fillRef>
+          <a:effectRef idx="0">
+            <a:schemeClr val="accent1"/>
+          </a:effectRef>
+          <a:fontRef idx="minor">
+            <a:schemeClr val="lt1"/>
+          </a:fontRef>
+        </p:style>
+        <p:txBody>
+          <a:bodyPr rtlCol="0" anchor="ctr"/>
+          <a:lstStyle/>
+          <a:p>
+            <a:pPr algn="ctr"/>
+            <a:r>
+              <a:rPr lang="zh-CN" altLang="en-US" dirty="0" smtClean="0">
+                <a:solidFill>
+                  <a:schemeClr val="tx1"/>
+                </a:solidFill>
+              </a:rPr>
+              <a:t>选择分类</a:t>
+            </a:r>
+            <a:endParaRPr lang="zh-CN" altLang="en-US" dirty="0">
+              <a:solidFill>
+                <a:schemeClr val="tx1"/>
+              </a:solidFill>
+            </a:endParaRPr>
+          </a:p>
+        </p:txBody>
+      </p:sp>
+      <p:grpSp>
+        <p:nvGrpSpPr>
+          <p:cNvPr id="19" name="组合 18"/>
+          <p:cNvGrpSpPr/>
+          <p:nvPr/>
+        </p:nvGrpSpPr>
+        <p:grpSpPr>
+          <a:xfrm>
+            <a:off x="41799" y="2615853"/>
+            <a:ext cx="1586586" cy="1463544"/>
+            <a:chOff x="41799" y="2615853"/>
+            <a:chExt cx="1586586" cy="1463544"/>
+          </a:xfrm>
+        </p:grpSpPr>
+        <p:cxnSp>
+          <p:nvCxnSpPr>
+            <p:cNvPr id="29" name="直接箭头连接符 28"/>
+            <p:cNvCxnSpPr/>
+            <p:nvPr/>
+          </p:nvCxnSpPr>
+          <p:spPr>
+            <a:xfrm flipH="1">
+              <a:off x="789139" y="2615853"/>
+              <a:ext cx="1958" cy="691018"/>
+            </a:xfrm>
+            <a:prstGeom prst="straightConnector1">
+              <a:avLst/>
+            </a:prstGeom>
+            <a:ln>
+              <a:tailEnd type="triangle"/>
+            </a:ln>
+          </p:spPr>
+          <p:style>
+            <a:lnRef idx="1">
+              <a:schemeClr val="dk1"/>
+            </a:lnRef>
+            <a:fillRef idx="0">
+              <a:schemeClr val="dk1"/>
+            </a:fillRef>
+            <a:effectRef idx="0">
+              <a:schemeClr val="dk1"/>
+            </a:effectRef>
+            <a:fontRef idx="minor">
+              <a:schemeClr val="tx1"/>
+            </a:fontRef>
+          </p:style>
+        </p:cxnSp>
+        <p:sp>
+          <p:nvSpPr>
+            <p:cNvPr id="31" name="矩形 30"/>
+            <p:cNvSpPr/>
+            <p:nvPr/>
+          </p:nvSpPr>
+          <p:spPr>
+            <a:xfrm>
+              <a:off x="41799" y="3306871"/>
+              <a:ext cx="1586586" cy="772526"/>
+            </a:xfrm>
+            <a:prstGeom prst="rect">
+              <a:avLst/>
+            </a:prstGeom>
+            <a:ln/>
+          </p:spPr>
+          <p:style>
+            <a:lnRef idx="2">
+              <a:schemeClr val="dk1"/>
+            </a:lnRef>
+            <a:fillRef idx="1">
+              <a:schemeClr val="lt1"/>
+            </a:fillRef>
+            <a:effectRef idx="0">
+              <a:schemeClr val="dk1"/>
+            </a:effectRef>
+            <a:fontRef idx="minor">
+              <a:schemeClr val="dk1"/>
+            </a:fontRef>
+          </p:style>
+          <p:txBody>
+            <a:bodyPr rtlCol="0" anchor="ctr"/>
+            <a:lstStyle/>
+            <a:p>
+              <a:pPr algn="ctr"/>
+              <a:r>
+                <a:rPr lang="zh-CN" altLang="en-US" dirty="0" smtClean="0"/>
+                <a:t>内容查看</a:t>
+              </a:r>
+              <a:endParaRPr lang="en-US" altLang="zh-CN" dirty="0" smtClean="0"/>
+            </a:p>
+          </p:txBody>
+        </p:sp>
+      </p:grpSp>
+      <p:grpSp>
+        <p:nvGrpSpPr>
+          <p:cNvPr id="33" name="组合 32"/>
+          <p:cNvGrpSpPr/>
+          <p:nvPr/>
+        </p:nvGrpSpPr>
+        <p:grpSpPr>
+          <a:xfrm>
+            <a:off x="4742" y="4079397"/>
+            <a:ext cx="1586586" cy="1463544"/>
+            <a:chOff x="41799" y="2615853"/>
+            <a:chExt cx="1586586" cy="1463544"/>
+          </a:xfrm>
+        </p:grpSpPr>
+        <p:cxnSp>
+          <p:nvCxnSpPr>
+            <p:cNvPr id="34" name="直接箭头连接符 33"/>
+            <p:cNvCxnSpPr/>
+            <p:nvPr/>
+          </p:nvCxnSpPr>
+          <p:spPr>
+            <a:xfrm flipH="1">
+              <a:off x="789139" y="2615853"/>
+              <a:ext cx="1958" cy="691018"/>
+            </a:xfrm>
+            <a:prstGeom prst="straightConnector1">
+              <a:avLst/>
+            </a:prstGeom>
+            <a:ln>
+              <a:tailEnd type="triangle"/>
+            </a:ln>
+          </p:spPr>
+          <p:style>
+            <a:lnRef idx="1">
+              <a:schemeClr val="dk1"/>
+            </a:lnRef>
+            <a:fillRef idx="0">
+              <a:schemeClr val="dk1"/>
+            </a:fillRef>
+            <a:effectRef idx="0">
+              <a:schemeClr val="dk1"/>
+            </a:effectRef>
+            <a:fontRef idx="minor">
+              <a:schemeClr val="tx1"/>
+            </a:fontRef>
+          </p:style>
+        </p:cxnSp>
+        <p:sp>
+          <p:nvSpPr>
+            <p:cNvPr id="35" name="矩形 34"/>
+            <p:cNvSpPr/>
+            <p:nvPr/>
+          </p:nvSpPr>
+          <p:spPr>
+            <a:xfrm>
+              <a:off x="41799" y="3306871"/>
+              <a:ext cx="1586586" cy="772526"/>
+            </a:xfrm>
+            <a:prstGeom prst="rect">
+              <a:avLst/>
+            </a:prstGeom>
+            <a:ln/>
+          </p:spPr>
+          <p:style>
+            <a:lnRef idx="2">
+              <a:schemeClr val="dk1"/>
+            </a:lnRef>
+            <a:fillRef idx="1">
+              <a:schemeClr val="lt1"/>
+            </a:fillRef>
+            <a:effectRef idx="0">
+              <a:schemeClr val="dk1"/>
+            </a:effectRef>
+            <a:fontRef idx="minor">
+              <a:schemeClr val="dk1"/>
+            </a:fontRef>
+          </p:style>
+          <p:txBody>
+            <a:bodyPr rtlCol="0" anchor="ctr"/>
+            <a:lstStyle/>
+            <a:p>
+              <a:pPr algn="ctr"/>
+              <a:r>
+                <a:rPr lang="zh-CN" altLang="en-US" dirty="0" smtClean="0"/>
+                <a:t>查看</a:t>
+              </a:r>
+              <a:r>
+                <a:rPr lang="zh-CN" altLang="en-US" dirty="0" smtClean="0"/>
+                <a:t>详情</a:t>
+              </a:r>
+              <a:endParaRPr lang="en-US" altLang="zh-CN" dirty="0" smtClean="0"/>
+            </a:p>
+          </p:txBody>
+        </p:sp>
+      </p:grpSp>
+      <p:grpSp>
+        <p:nvGrpSpPr>
+          <p:cNvPr id="17" name="组合 16"/>
+          <p:cNvGrpSpPr/>
+          <p:nvPr/>
+        </p:nvGrpSpPr>
+        <p:grpSpPr>
+          <a:xfrm>
+            <a:off x="1591328" y="2842889"/>
+            <a:ext cx="2197794" cy="2313789"/>
+            <a:chOff x="1591328" y="2842889"/>
+            <a:chExt cx="2197794" cy="2313789"/>
+          </a:xfrm>
+        </p:grpSpPr>
+        <p:cxnSp>
+          <p:nvCxnSpPr>
+            <p:cNvPr id="13" name="肘形连接符 12"/>
+            <p:cNvCxnSpPr>
+              <a:stCxn id="35" idx="3"/>
+              <a:endCxn id="22" idx="2"/>
+            </p:cNvCxnSpPr>
+            <p:nvPr/>
+          </p:nvCxnSpPr>
+          <p:spPr>
+            <a:xfrm flipV="1">
+              <a:off x="1591328" y="3507288"/>
+              <a:ext cx="1371077" cy="1649390"/>
+            </a:xfrm>
+            <a:prstGeom prst="bentConnector2">
+              <a:avLst/>
+            </a:prstGeom>
+            <a:ln>
+              <a:tailEnd type="triangle"/>
+            </a:ln>
+          </p:spPr>
+          <p:style>
+            <a:lnRef idx="1">
+              <a:schemeClr val="dk1"/>
+            </a:lnRef>
+            <a:fillRef idx="0">
+              <a:schemeClr val="dk1"/>
+            </a:fillRef>
+            <a:effectRef idx="0">
+              <a:schemeClr val="dk1"/>
+            </a:effectRef>
+            <a:fontRef idx="minor">
+              <a:schemeClr val="tx1"/>
+            </a:fontRef>
+          </p:style>
+        </p:cxnSp>
+        <p:sp>
+          <p:nvSpPr>
+            <p:cNvPr id="22" name="流程图: 决策 21"/>
+            <p:cNvSpPr/>
+            <p:nvPr/>
+          </p:nvSpPr>
+          <p:spPr>
+            <a:xfrm>
+              <a:off x="2135688" y="2842889"/>
+              <a:ext cx="1653434" cy="664399"/>
+            </a:xfrm>
+            <a:prstGeom prst="flowChartDecision">
+              <a:avLst/>
+            </a:prstGeom>
+            <a:noFill/>
+            <a:ln>
+              <a:solidFill>
+                <a:schemeClr val="tx1"/>
+              </a:solidFill>
+            </a:ln>
+          </p:spPr>
+          <p:style>
+            <a:lnRef idx="2">
+              <a:schemeClr val="accent1">
+                <a:shade val="50000"/>
+              </a:schemeClr>
+            </a:lnRef>
+            <a:fillRef idx="1">
+              <a:schemeClr val="accent1"/>
+            </a:fillRef>
+            <a:effectRef idx="0">
+              <a:schemeClr val="accent1"/>
+            </a:effectRef>
+            <a:fontRef idx="minor">
+              <a:schemeClr val="lt1"/>
+            </a:fontRef>
+          </p:style>
+          <p:txBody>
+            <a:bodyPr rtlCol="0" anchor="ctr"/>
+            <a:lstStyle/>
+            <a:p>
+              <a:pPr algn="ctr"/>
+              <a:r>
+                <a:rPr lang="zh-CN" altLang="en-US" dirty="0" smtClean="0">
+                  <a:solidFill>
+                    <a:schemeClr val="tx1"/>
+                  </a:solidFill>
+                </a:rPr>
+                <a:t>评论</a:t>
+              </a:r>
+              <a:endParaRPr lang="zh-CN" altLang="en-US" dirty="0">
+                <a:solidFill>
+                  <a:schemeClr val="tx1"/>
+                </a:solidFill>
+              </a:endParaRPr>
+            </a:p>
+          </p:txBody>
+        </p:sp>
+      </p:grpSp>
+      <p:cxnSp>
+        <p:nvCxnSpPr>
+          <p:cNvPr id="43" name="直接箭头连接符 42"/>
+          <p:cNvCxnSpPr>
+            <a:stCxn id="22" idx="0"/>
+            <a:endCxn id="4" idx="2"/>
+          </p:cNvCxnSpPr>
+          <p:nvPr/>
+        </p:nvCxnSpPr>
+        <p:spPr>
+          <a:xfrm flipV="1">
+            <a:off x="2962405" y="2558679"/>
+            <a:ext cx="2155" cy="284210"/>
+          </a:xfrm>
+          <a:prstGeom prst="straightConnector1">
+            <a:avLst/>
+          </a:prstGeom>
+          <a:ln>
+            <a:tailEnd type="triangle"/>
+          </a:ln>
+        </p:spPr>
+        <p:style>
+          <a:lnRef idx="1">
+            <a:schemeClr val="dk1"/>
+          </a:lnRef>
+          <a:fillRef idx="0">
+            <a:schemeClr val="dk1"/>
+          </a:fillRef>
+          <a:effectRef idx="0">
+            <a:schemeClr val="dk1"/>
+          </a:effectRef>
+          <a:fontRef idx="minor">
+            <a:schemeClr val="tx1"/>
+          </a:fontRef>
+        </p:style>
+      </p:cxnSp>
+      <p:sp>
+        <p:nvSpPr>
+          <p:cNvPr id="67" name="流程图: 终止 66"/>
+          <p:cNvSpPr/>
+          <p:nvPr/>
+        </p:nvSpPr>
+        <p:spPr>
+          <a:xfrm>
+            <a:off x="10699712" y="746864"/>
+            <a:ext cx="1316924" cy="425885"/>
+          </a:xfrm>
+          <a:prstGeom prst="flowChartTerminator">
+            <a:avLst/>
+          </a:prstGeom>
+          <a:noFill/>
+          <a:ln>
+            <a:solidFill>
+              <a:schemeClr val="tx1"/>
+            </a:solidFill>
+          </a:ln>
+        </p:spPr>
+        <p:style>
+          <a:lnRef idx="2">
+            <a:schemeClr val="accent1">
+              <a:shade val="50000"/>
+            </a:schemeClr>
+          </a:lnRef>
+          <a:fillRef idx="1">
+            <a:schemeClr val="accent1"/>
+          </a:fillRef>
+          <a:effectRef idx="0">
+            <a:schemeClr val="accent1"/>
+          </a:effectRef>
+          <a:fontRef idx="minor">
+            <a:schemeClr val="lt1"/>
+          </a:fontRef>
+        </p:style>
+        <p:txBody>
+          <a:bodyPr rtlCol="0" anchor="ctr"/>
+          <a:lstStyle/>
+          <a:p>
+            <a:pPr algn="ctr"/>
+            <a:r>
+              <a:rPr lang="zh-CN" altLang="en-US" dirty="0">
+                <a:solidFill>
+                  <a:schemeClr val="tx1"/>
+                </a:solidFill>
+              </a:rPr>
+              <a:t>返回界面</a:t>
+            </a:r>
+          </a:p>
+        </p:txBody>
+      </p:sp>
+      <p:cxnSp>
+        <p:nvCxnSpPr>
+          <p:cNvPr id="68" name="直接箭头连接符 67"/>
+          <p:cNvCxnSpPr/>
+          <p:nvPr/>
+        </p:nvCxnSpPr>
+        <p:spPr>
+          <a:xfrm>
+            <a:off x="7560195" y="3074380"/>
+            <a:ext cx="807192" cy="0"/>
+          </a:xfrm>
+          <a:prstGeom prst="straightConnector1">
+            <a:avLst/>
+          </a:prstGeom>
+          <a:ln>
+            <a:tailEnd type="triangle"/>
+          </a:ln>
+        </p:spPr>
+        <p:style>
+          <a:lnRef idx="1">
+            <a:schemeClr val="dk1"/>
+          </a:lnRef>
+          <a:fillRef idx="0">
+            <a:schemeClr val="dk1"/>
+          </a:fillRef>
+          <a:effectRef idx="0">
+            <a:schemeClr val="dk1"/>
+          </a:effectRef>
+          <a:fontRef idx="minor">
+            <a:schemeClr val="tx1"/>
+          </a:fontRef>
+        </p:style>
+      </p:cxnSp>
+      <p:grpSp>
+        <p:nvGrpSpPr>
+          <p:cNvPr id="21" name="组合 20"/>
+          <p:cNvGrpSpPr/>
+          <p:nvPr/>
+        </p:nvGrpSpPr>
+        <p:grpSpPr>
+          <a:xfrm>
+            <a:off x="3778989" y="2879632"/>
+            <a:ext cx="1232527" cy="369332"/>
+            <a:chOff x="3778989" y="2879632"/>
+            <a:chExt cx="1232527" cy="369332"/>
+          </a:xfrm>
+        </p:grpSpPr>
+        <p:cxnSp>
+          <p:nvCxnSpPr>
+            <p:cNvPr id="40" name="直接箭头连接符 39"/>
+            <p:cNvCxnSpPr/>
+            <p:nvPr/>
+          </p:nvCxnSpPr>
+          <p:spPr>
+            <a:xfrm>
+              <a:off x="3778989" y="3179286"/>
+              <a:ext cx="1203238" cy="0"/>
+            </a:xfrm>
+            <a:prstGeom prst="straightConnector1">
+              <a:avLst/>
+            </a:prstGeom>
+            <a:ln>
+              <a:tailEnd type="triangle"/>
+            </a:ln>
+          </p:spPr>
+          <p:style>
+            <a:lnRef idx="1">
+              <a:schemeClr val="dk1"/>
+            </a:lnRef>
+            <a:fillRef idx="0">
+              <a:schemeClr val="dk1"/>
+            </a:fillRef>
+            <a:effectRef idx="0">
+              <a:schemeClr val="dk1"/>
+            </a:effectRef>
+            <a:fontRef idx="minor">
+              <a:schemeClr val="tx1"/>
+            </a:fontRef>
+          </p:style>
+        </p:cxnSp>
+        <p:sp>
+          <p:nvSpPr>
+            <p:cNvPr id="3" name="文本框 2"/>
+            <p:cNvSpPr txBox="1"/>
+            <p:nvPr/>
+          </p:nvSpPr>
+          <p:spPr>
+            <a:xfrm>
+              <a:off x="4140956" y="2879632"/>
+              <a:ext cx="870560" cy="369332"/>
+            </a:xfrm>
+            <a:prstGeom prst="rect">
+              <a:avLst/>
+            </a:prstGeom>
+            <a:noFill/>
+          </p:spPr>
+          <p:txBody>
+            <a:bodyPr wrap="square" rtlCol="0">
+              <a:spAutoFit/>
+            </a:bodyPr>
+            <a:lstStyle/>
+            <a:p>
+              <a:r>
+                <a:rPr lang="en-US" altLang="zh-CN" dirty="0" smtClean="0"/>
+                <a:t>Y</a:t>
+              </a:r>
+              <a:endParaRPr lang="zh-CN" altLang="en-US" dirty="0"/>
+            </a:p>
+          </p:txBody>
+        </p:sp>
+      </p:grpSp>
+      <p:sp>
+        <p:nvSpPr>
+          <p:cNvPr id="23" name="文本框 22"/>
+          <p:cNvSpPr txBox="1"/>
+          <p:nvPr/>
+        </p:nvSpPr>
+        <p:spPr>
+          <a:xfrm>
+            <a:off x="2973878" y="2548087"/>
+            <a:ext cx="870560" cy="369332"/>
+          </a:xfrm>
+          <a:prstGeom prst="rect">
+            <a:avLst/>
+          </a:prstGeom>
+          <a:noFill/>
+        </p:spPr>
+        <p:txBody>
+          <a:bodyPr wrap="square" rtlCol="0">
+            <a:spAutoFit/>
+          </a:bodyPr>
+          <a:lstStyle/>
+          <a:p>
+            <a:r>
+              <a:rPr lang="en-US" altLang="zh-CN" dirty="0" smtClean="0"/>
+              <a:t>N</a:t>
+            </a:r>
+            <a:endParaRPr lang="zh-CN" altLang="en-US" dirty="0"/>
+          </a:p>
+        </p:txBody>
+      </p:sp>
+      <p:cxnSp>
+        <p:nvCxnSpPr>
+          <p:cNvPr id="32" name="肘形连接符 31"/>
+          <p:cNvCxnSpPr>
+            <a:stCxn id="4" idx="3"/>
+            <a:endCxn id="67" idx="2"/>
+          </p:cNvCxnSpPr>
+          <p:nvPr/>
+        </p:nvCxnSpPr>
+        <p:spPr>
+          <a:xfrm flipV="1">
+            <a:off x="3793432" y="1172749"/>
+            <a:ext cx="7564742" cy="970483"/>
+          </a:xfrm>
+          <a:prstGeom prst="bentConnector2">
+            <a:avLst/>
+          </a:prstGeom>
+          <a:ln>
+            <a:headEnd type="none" w="med" len="med"/>
+            <a:tailEnd type="arrow" w="med" len="med"/>
+          </a:ln>
+        </p:spPr>
+        <p:style>
+          <a:lnRef idx="1">
+            <a:schemeClr val="dk1"/>
+          </a:lnRef>
+          <a:fillRef idx="0">
+            <a:schemeClr val="dk1"/>
+          </a:fillRef>
+          <a:effectRef idx="0">
+            <a:schemeClr val="dk1"/>
+          </a:effectRef>
+          <a:fontRef idx="minor">
+            <a:schemeClr val="tx1"/>
+          </a:fontRef>
+        </p:style>
+      </p:cxnSp>
+      <p:grpSp>
+        <p:nvGrpSpPr>
+          <p:cNvPr id="36" name="组合 35"/>
+          <p:cNvGrpSpPr/>
+          <p:nvPr/>
+        </p:nvGrpSpPr>
+        <p:grpSpPr>
+          <a:xfrm>
+            <a:off x="1591328" y="4331983"/>
+            <a:ext cx="5044333" cy="824695"/>
+            <a:chOff x="-1329278" y="2630661"/>
+            <a:chExt cx="5044333" cy="824695"/>
+          </a:xfrm>
+        </p:grpSpPr>
+        <p:cxnSp>
+          <p:nvCxnSpPr>
+            <p:cNvPr id="37" name="肘形连接符 36"/>
+            <p:cNvCxnSpPr>
+              <a:stCxn id="35" idx="3"/>
+              <a:endCxn id="38" idx="0"/>
+            </p:cNvCxnSpPr>
+            <p:nvPr/>
+          </p:nvCxnSpPr>
+          <p:spPr>
+            <a:xfrm flipV="1">
+              <a:off x="-1329278" y="2630661"/>
+              <a:ext cx="4217616" cy="824695"/>
+            </a:xfrm>
+            <a:prstGeom prst="bentConnector4">
+              <a:avLst>
+                <a:gd name="adj1" fmla="val 32774"/>
+                <a:gd name="adj2" fmla="val 127719"/>
+              </a:avLst>
+            </a:prstGeom>
+            <a:ln>
+              <a:tailEnd type="triangle"/>
+            </a:ln>
+          </p:spPr>
+          <p:style>
+            <a:lnRef idx="1">
+              <a:schemeClr val="dk1"/>
+            </a:lnRef>
+            <a:fillRef idx="0">
+              <a:schemeClr val="dk1"/>
+            </a:fillRef>
+            <a:effectRef idx="0">
+              <a:schemeClr val="dk1"/>
+            </a:effectRef>
+            <a:fontRef idx="minor">
+              <a:schemeClr val="tx1"/>
+            </a:fontRef>
+          </p:style>
+        </p:cxnSp>
+        <p:sp>
+          <p:nvSpPr>
+            <p:cNvPr id="38" name="流程图: 决策 37"/>
+            <p:cNvSpPr/>
+            <p:nvPr/>
+          </p:nvSpPr>
+          <p:spPr>
+            <a:xfrm>
+              <a:off x="2061621" y="2630661"/>
+              <a:ext cx="1653434" cy="664399"/>
+            </a:xfrm>
+            <a:prstGeom prst="flowChartDecision">
+              <a:avLst/>
+            </a:prstGeom>
+            <a:noFill/>
+            <a:ln>
+              <a:solidFill>
+                <a:schemeClr val="tx1"/>
+              </a:solidFill>
+            </a:ln>
+          </p:spPr>
+          <p:style>
+            <a:lnRef idx="2">
+              <a:schemeClr val="accent1">
+                <a:shade val="50000"/>
+              </a:schemeClr>
+            </a:lnRef>
+            <a:fillRef idx="1">
+              <a:schemeClr val="accent1"/>
+            </a:fillRef>
+            <a:effectRef idx="0">
+              <a:schemeClr val="accent1"/>
+            </a:effectRef>
+            <a:fontRef idx="minor">
+              <a:schemeClr val="lt1"/>
+            </a:fontRef>
+          </p:style>
+          <p:txBody>
+            <a:bodyPr rtlCol="0" anchor="ctr"/>
+            <a:lstStyle/>
+            <a:p>
+              <a:pPr algn="ctr"/>
+              <a:r>
+                <a:rPr lang="zh-CN" altLang="en-US" dirty="0">
+                  <a:solidFill>
+                    <a:schemeClr val="tx1"/>
+                  </a:solidFill>
+                </a:rPr>
+                <a:t>发帖</a:t>
+              </a:r>
+              <a:endParaRPr lang="zh-CN" altLang="en-US" dirty="0">
+                <a:solidFill>
+                  <a:schemeClr val="tx1"/>
+                </a:solidFill>
+              </a:endParaRPr>
+            </a:p>
+          </p:txBody>
+        </p:sp>
+      </p:grpSp>
+      <p:grpSp>
+        <p:nvGrpSpPr>
+          <p:cNvPr id="41" name="组合 40"/>
+          <p:cNvGrpSpPr/>
+          <p:nvPr/>
+        </p:nvGrpSpPr>
+        <p:grpSpPr>
+          <a:xfrm>
+            <a:off x="6623135" y="4355890"/>
+            <a:ext cx="2078388" cy="369332"/>
+            <a:chOff x="3778989" y="2879632"/>
+            <a:chExt cx="1232527" cy="369332"/>
+          </a:xfrm>
+        </p:grpSpPr>
+        <p:cxnSp>
+          <p:nvCxnSpPr>
+            <p:cNvPr id="42" name="直接箭头连接符 41"/>
+            <p:cNvCxnSpPr/>
+            <p:nvPr/>
+          </p:nvCxnSpPr>
+          <p:spPr>
+            <a:xfrm>
+              <a:off x="3778989" y="3179286"/>
+              <a:ext cx="1203238" cy="0"/>
+            </a:xfrm>
+            <a:prstGeom prst="straightConnector1">
+              <a:avLst/>
+            </a:prstGeom>
+            <a:ln>
+              <a:tailEnd type="triangle"/>
+            </a:ln>
+          </p:spPr>
+          <p:style>
+            <a:lnRef idx="1">
+              <a:schemeClr val="dk1"/>
+            </a:lnRef>
+            <a:fillRef idx="0">
+              <a:schemeClr val="dk1"/>
+            </a:fillRef>
+            <a:effectRef idx="0">
+              <a:schemeClr val="dk1"/>
+            </a:effectRef>
+            <a:fontRef idx="minor">
+              <a:schemeClr val="tx1"/>
+            </a:fontRef>
+          </p:style>
+        </p:cxnSp>
+        <p:sp>
+          <p:nvSpPr>
+            <p:cNvPr id="44" name="文本框 43"/>
+            <p:cNvSpPr txBox="1"/>
+            <p:nvPr/>
+          </p:nvSpPr>
+          <p:spPr>
+            <a:xfrm>
+              <a:off x="4140956" y="2879632"/>
+              <a:ext cx="870560" cy="369332"/>
+            </a:xfrm>
+            <a:prstGeom prst="rect">
+              <a:avLst/>
+            </a:prstGeom>
+            <a:noFill/>
+          </p:spPr>
+          <p:txBody>
+            <a:bodyPr wrap="square" rtlCol="0">
+              <a:spAutoFit/>
+            </a:bodyPr>
+            <a:lstStyle/>
+            <a:p>
+              <a:r>
+                <a:rPr lang="en-US" altLang="zh-CN" dirty="0" smtClean="0"/>
+                <a:t>Y</a:t>
+              </a:r>
+              <a:endParaRPr lang="zh-CN" altLang="en-US" dirty="0"/>
+            </a:p>
+          </p:txBody>
+        </p:sp>
+      </p:grpSp>
+      <p:sp>
+        <p:nvSpPr>
+          <p:cNvPr id="45" name="矩形 44"/>
+          <p:cNvSpPr/>
+          <p:nvPr/>
+        </p:nvSpPr>
+        <p:spPr>
+          <a:xfrm>
+            <a:off x="8701523" y="4157598"/>
+            <a:ext cx="1918876" cy="798038"/>
+          </a:xfrm>
+          <a:prstGeom prst="rect">
+            <a:avLst/>
+          </a:prstGeom>
+          <a:ln/>
+        </p:spPr>
+        <p:style>
+          <a:lnRef idx="2">
+            <a:schemeClr val="dk1"/>
+          </a:lnRef>
+          <a:fillRef idx="1">
+            <a:schemeClr val="lt1"/>
+          </a:fillRef>
+          <a:effectRef idx="0">
+            <a:schemeClr val="dk1"/>
+          </a:effectRef>
+          <a:fontRef idx="minor">
+            <a:schemeClr val="dk1"/>
+          </a:fontRef>
+        </p:style>
+        <p:txBody>
+          <a:bodyPr rtlCol="0" anchor="ctr"/>
+          <a:lstStyle/>
+          <a:p>
+            <a:pPr algn="ctr"/>
+            <a:r>
+              <a:rPr lang="zh-CN" altLang="en-US" dirty="0" smtClean="0"/>
+              <a:t>填写信息</a:t>
+            </a:r>
+            <a:endParaRPr lang="zh-CN" altLang="en-US" dirty="0"/>
+          </a:p>
+        </p:txBody>
+      </p:sp>
+      <p:cxnSp>
+        <p:nvCxnSpPr>
+          <p:cNvPr id="46" name="直接箭头连接符 45"/>
+          <p:cNvCxnSpPr>
+            <a:stCxn id="45" idx="0"/>
+            <a:endCxn id="30" idx="2"/>
+          </p:cNvCxnSpPr>
+          <p:nvPr/>
+        </p:nvCxnSpPr>
+        <p:spPr>
+          <a:xfrm flipV="1">
+            <a:off x="9660961" y="3507288"/>
+            <a:ext cx="0" cy="650310"/>
+          </a:xfrm>
+          <a:prstGeom prst="straightConnector1">
+            <a:avLst/>
+          </a:prstGeom>
+          <a:ln>
+            <a:tailEnd type="triangle"/>
+          </a:ln>
+        </p:spPr>
+        <p:style>
+          <a:lnRef idx="1">
+            <a:schemeClr val="dk1"/>
+          </a:lnRef>
+          <a:fillRef idx="0">
+            <a:schemeClr val="dk1"/>
+          </a:fillRef>
+          <a:effectRef idx="0">
+            <a:schemeClr val="dk1"/>
+          </a:effectRef>
+          <a:fontRef idx="minor">
+            <a:schemeClr val="tx1"/>
+          </a:fontRef>
+        </p:style>
+      </p:cxnSp>
+      <p:sp>
+        <p:nvSpPr>
+          <p:cNvPr id="52" name="文本框 51"/>
+          <p:cNvSpPr txBox="1"/>
+          <p:nvPr/>
+        </p:nvSpPr>
+        <p:spPr>
+          <a:xfrm>
+            <a:off x="5404170" y="4943824"/>
+            <a:ext cx="1468010" cy="369332"/>
+          </a:xfrm>
+          <a:prstGeom prst="rect">
+            <a:avLst/>
+          </a:prstGeom>
+          <a:noFill/>
+        </p:spPr>
+        <p:txBody>
+          <a:bodyPr wrap="square" rtlCol="0">
+            <a:spAutoFit/>
+          </a:bodyPr>
+          <a:lstStyle/>
+          <a:p>
+            <a:r>
+              <a:rPr lang="en-US" altLang="zh-CN" dirty="0" smtClean="0"/>
+              <a:t>N</a:t>
+            </a:r>
+            <a:endParaRPr lang="zh-CN" altLang="en-US" dirty="0"/>
+          </a:p>
+        </p:txBody>
+      </p:sp>
+      <p:cxnSp>
+        <p:nvCxnSpPr>
+          <p:cNvPr id="54" name="肘形连接符 53"/>
+          <p:cNvCxnSpPr>
+            <a:stCxn id="38" idx="2"/>
+            <a:endCxn id="67" idx="2"/>
+          </p:cNvCxnSpPr>
+          <p:nvPr/>
+        </p:nvCxnSpPr>
+        <p:spPr>
+          <a:xfrm rot="5400000" flipH="1" flipV="1">
+            <a:off x="6671742" y="309951"/>
+            <a:ext cx="3823633" cy="5549230"/>
+          </a:xfrm>
+          <a:prstGeom prst="bentConnector3">
+            <a:avLst>
+              <a:gd name="adj1" fmla="val -5979"/>
+            </a:avLst>
+          </a:prstGeom>
+          <a:ln>
+            <a:tailEnd type="triangle"/>
+          </a:ln>
+        </p:spPr>
+        <p:style>
+          <a:lnRef idx="1">
+            <a:schemeClr val="dk1"/>
+          </a:lnRef>
+          <a:fillRef idx="0">
+            <a:schemeClr val="dk1"/>
+          </a:fillRef>
+          <a:effectRef idx="0">
+            <a:schemeClr val="dk1"/>
+          </a:effectRef>
+          <a:fontRef idx="minor">
+            <a:schemeClr val="tx1"/>
+          </a:fontRef>
+        </p:style>
+      </p:cxnSp>
+      <p:cxnSp>
+        <p:nvCxnSpPr>
+          <p:cNvPr id="58" name="肘形连接符 57"/>
+          <p:cNvCxnSpPr>
+            <a:stCxn id="38" idx="2"/>
+            <a:endCxn id="35" idx="2"/>
+          </p:cNvCxnSpPr>
+          <p:nvPr/>
+        </p:nvCxnSpPr>
+        <p:spPr>
+          <a:xfrm rot="5400000">
+            <a:off x="3030211" y="2764207"/>
+            <a:ext cx="546559" cy="5010909"/>
+          </a:xfrm>
+          <a:prstGeom prst="bentConnector3">
+            <a:avLst>
+              <a:gd name="adj1" fmla="val 141825"/>
+            </a:avLst>
+          </a:prstGeom>
+          <a:ln>
+            <a:tailEnd type="triangle"/>
+          </a:ln>
+        </p:spPr>
+        <p:style>
+          <a:lnRef idx="1">
+            <a:schemeClr val="dk1"/>
+          </a:lnRef>
+          <a:fillRef idx="0">
+            <a:schemeClr val="dk1"/>
+          </a:fillRef>
+          <a:effectRef idx="0">
+            <a:schemeClr val="dk1"/>
+          </a:effectRef>
+          <a:fontRef idx="minor">
+            <a:schemeClr val="tx1"/>
+          </a:fontRef>
+        </p:style>
+      </p:cxnSp>
+    </p:spTree>
+    <p:extLst>
+      <p:ext uri="{BB962C8B-B14F-4D97-AF65-F5344CB8AC3E}">
+        <p14:creationId xmlns:p14="http://schemas.microsoft.com/office/powerpoint/2010/main" val="2750812285"/>
+      </p:ext>
+    </p:extLst>
+  </p:cSld>
+  <p:clrMapOvr>
+    <a:masterClrMapping/>
+  </p:clrMapOvr>
+</p:sld>
+</file>
+
 <file path=ppt/theme/theme1.xml><?xml version="1.0" encoding="utf-8"?>
 <a:theme xmlns:a="http://schemas.openxmlformats.org/drawingml/2006/main" name="Office 主题">
   <a:themeElements>

--- a/public/毕业设计文档/毕业设计表格.pptx
+++ b/public/毕业设计文档/毕业设计表格.pptx
@@ -9,6 +9,9 @@
     <p:sldId id="258" r:id="rId3"/>
     <p:sldId id="256" r:id="rId4"/>
     <p:sldId id="259" r:id="rId5"/>
+    <p:sldId id="260" r:id="rId6"/>
+    <p:sldId id="262" r:id="rId7"/>
+    <p:sldId id="261" r:id="rId8"/>
   </p:sldIdLst>
   <p:sldSz cx="12192000" cy="6858000"/>
   <p:notesSz cx="6858000" cy="9144000"/>
@@ -246,7 +249,7 @@
           <a:p>
             <a:fld id="{58B1E12D-D746-4DA3-A071-1E4388CD1881}" type="datetimeFigureOut">
               <a:rPr lang="zh-CN" altLang="en-US" smtClean="0"/>
-              <a:t>2018/3/28</a:t>
+              <a:t>2018/4/2</a:t>
             </a:fld>
             <a:endParaRPr lang="zh-CN" altLang="en-US"/>
           </a:p>
@@ -416,7 +419,7 @@
           <a:p>
             <a:fld id="{58B1E12D-D746-4DA3-A071-1E4388CD1881}" type="datetimeFigureOut">
               <a:rPr lang="zh-CN" altLang="en-US" smtClean="0"/>
-              <a:t>2018/3/28</a:t>
+              <a:t>2018/4/2</a:t>
             </a:fld>
             <a:endParaRPr lang="zh-CN" altLang="en-US"/>
           </a:p>
@@ -596,7 +599,7 @@
           <a:p>
             <a:fld id="{58B1E12D-D746-4DA3-A071-1E4388CD1881}" type="datetimeFigureOut">
               <a:rPr lang="zh-CN" altLang="en-US" smtClean="0"/>
-              <a:t>2018/3/28</a:t>
+              <a:t>2018/4/2</a:t>
             </a:fld>
             <a:endParaRPr lang="zh-CN" altLang="en-US"/>
           </a:p>
@@ -766,7 +769,7 @@
           <a:p>
             <a:fld id="{58B1E12D-D746-4DA3-A071-1E4388CD1881}" type="datetimeFigureOut">
               <a:rPr lang="zh-CN" altLang="en-US" smtClean="0"/>
-              <a:t>2018/3/28</a:t>
+              <a:t>2018/4/2</a:t>
             </a:fld>
             <a:endParaRPr lang="zh-CN" altLang="en-US"/>
           </a:p>
@@ -1012,7 +1015,7 @@
           <a:p>
             <a:fld id="{58B1E12D-D746-4DA3-A071-1E4388CD1881}" type="datetimeFigureOut">
               <a:rPr lang="zh-CN" altLang="en-US" smtClean="0"/>
-              <a:t>2018/3/28</a:t>
+              <a:t>2018/4/2</a:t>
             </a:fld>
             <a:endParaRPr lang="zh-CN" altLang="en-US"/>
           </a:p>
@@ -1244,7 +1247,7 @@
           <a:p>
             <a:fld id="{58B1E12D-D746-4DA3-A071-1E4388CD1881}" type="datetimeFigureOut">
               <a:rPr lang="zh-CN" altLang="en-US" smtClean="0"/>
-              <a:t>2018/3/28</a:t>
+              <a:t>2018/4/2</a:t>
             </a:fld>
             <a:endParaRPr lang="zh-CN" altLang="en-US"/>
           </a:p>
@@ -1611,7 +1614,7 @@
           <a:p>
             <a:fld id="{58B1E12D-D746-4DA3-A071-1E4388CD1881}" type="datetimeFigureOut">
               <a:rPr lang="zh-CN" altLang="en-US" smtClean="0"/>
-              <a:t>2018/3/28</a:t>
+              <a:t>2018/4/2</a:t>
             </a:fld>
             <a:endParaRPr lang="zh-CN" altLang="en-US"/>
           </a:p>
@@ -1729,7 +1732,7 @@
           <a:p>
             <a:fld id="{58B1E12D-D746-4DA3-A071-1E4388CD1881}" type="datetimeFigureOut">
               <a:rPr lang="zh-CN" altLang="en-US" smtClean="0"/>
-              <a:t>2018/3/28</a:t>
+              <a:t>2018/4/2</a:t>
             </a:fld>
             <a:endParaRPr lang="zh-CN" altLang="en-US"/>
           </a:p>
@@ -1824,7 +1827,7 @@
           <a:p>
             <a:fld id="{58B1E12D-D746-4DA3-A071-1E4388CD1881}" type="datetimeFigureOut">
               <a:rPr lang="zh-CN" altLang="en-US" smtClean="0"/>
-              <a:t>2018/3/28</a:t>
+              <a:t>2018/4/2</a:t>
             </a:fld>
             <a:endParaRPr lang="zh-CN" altLang="en-US"/>
           </a:p>
@@ -2101,7 +2104,7 @@
           <a:p>
             <a:fld id="{58B1E12D-D746-4DA3-A071-1E4388CD1881}" type="datetimeFigureOut">
               <a:rPr lang="zh-CN" altLang="en-US" smtClean="0"/>
-              <a:t>2018/3/28</a:t>
+              <a:t>2018/4/2</a:t>
             </a:fld>
             <a:endParaRPr lang="zh-CN" altLang="en-US"/>
           </a:p>
@@ -2354,7 +2357,7 @@
           <a:p>
             <a:fld id="{58B1E12D-D746-4DA3-A071-1E4388CD1881}" type="datetimeFigureOut">
               <a:rPr lang="zh-CN" altLang="en-US" smtClean="0"/>
-              <a:t>2018/3/28</a:t>
+              <a:t>2018/4/2</a:t>
             </a:fld>
             <a:endParaRPr lang="zh-CN" altLang="en-US"/>
           </a:p>
@@ -2567,7 +2570,7 @@
           <a:p>
             <a:fld id="{58B1E12D-D746-4DA3-A071-1E4388CD1881}" type="datetimeFigureOut">
               <a:rPr lang="zh-CN" altLang="en-US" smtClean="0"/>
-              <a:t>2018/3/28</a:t>
+              <a:t>2018/4/2</a:t>
             </a:fld>
             <a:endParaRPr lang="zh-CN" altLang="en-US"/>
           </a:p>
@@ -6909,11 +6912,7 @@
               <a:pPr algn="ctr"/>
               <a:r>
                 <a:rPr lang="zh-CN" altLang="en-US" dirty="0" smtClean="0"/>
-                <a:t>查看</a:t>
-              </a:r>
-              <a:r>
-                <a:rPr lang="zh-CN" altLang="en-US" dirty="0" smtClean="0"/>
-                <a:t>详情</a:t>
+                <a:t>查看详情</a:t>
               </a:r>
               <a:endParaRPr lang="en-US" altLang="zh-CN" dirty="0" smtClean="0"/>
             </a:p>
@@ -7399,11 +7398,6 @@
                 </a:rPr>
                 <a:t>发帖</a:t>
               </a:r>
-              <a:endParaRPr lang="zh-CN" altLang="en-US" dirty="0">
-                <a:solidFill>
-                  <a:schemeClr val="tx1"/>
-                </a:solidFill>
-              </a:endParaRPr>
             </a:p>
           </p:txBody>
         </p:sp>
@@ -7675,6 +7669,1501 @@
     <p:extLst>
       <p:ext uri="{BB962C8B-B14F-4D97-AF65-F5344CB8AC3E}">
         <p14:creationId xmlns:p14="http://schemas.microsoft.com/office/powerpoint/2010/main" val="2750812285"/>
+      </p:ext>
+    </p:extLst>
+  </p:cSld>
+  <p:clrMapOvr>
+    <a:masterClrMapping/>
+  </p:clrMapOvr>
+</p:sld>
+</file>
+
+<file path=ppt/slides/slide5.xml><?xml version="1.0" encoding="utf-8"?>
+<p:sld xmlns:a="http://schemas.openxmlformats.org/drawingml/2006/main" xmlns:r="http://schemas.openxmlformats.org/officeDocument/2006/relationships" xmlns:p="http://schemas.openxmlformats.org/presentationml/2006/main">
+  <p:cSld>
+    <p:spTree>
+      <p:nvGrpSpPr>
+        <p:cNvPr id="1" name=""/>
+        <p:cNvGrpSpPr/>
+        <p:nvPr/>
+      </p:nvGrpSpPr>
+      <p:grpSpPr>
+        <a:xfrm>
+          <a:off x="0" y="0"/>
+          <a:ext cx="0" cy="0"/>
+          <a:chOff x="0" y="0"/>
+          <a:chExt cx="0" cy="0"/>
+        </a:xfrm>
+      </p:grpSpPr>
+      <p:sp>
+        <p:nvSpPr>
+          <p:cNvPr id="3" name="流程图: 过程 2"/>
+          <p:cNvSpPr/>
+          <p:nvPr/>
+        </p:nvSpPr>
+        <p:spPr>
+          <a:xfrm>
+            <a:off x="6250488" y="2116899"/>
+            <a:ext cx="1553227" cy="1810009"/>
+          </a:xfrm>
+          <a:prstGeom prst="flowChartProcess">
+            <a:avLst/>
+          </a:prstGeom>
+          <a:noFill/>
+          <a:ln>
+            <a:solidFill>
+              <a:schemeClr val="tx1"/>
+            </a:solidFill>
+          </a:ln>
+        </p:spPr>
+        <p:style>
+          <a:lnRef idx="2">
+            <a:schemeClr val="dk1">
+              <a:shade val="50000"/>
+            </a:schemeClr>
+          </a:lnRef>
+          <a:fillRef idx="1">
+            <a:schemeClr val="dk1"/>
+          </a:fillRef>
+          <a:effectRef idx="0">
+            <a:schemeClr val="dk1"/>
+          </a:effectRef>
+          <a:fontRef idx="minor">
+            <a:schemeClr val="lt1"/>
+          </a:fontRef>
+        </p:style>
+        <p:txBody>
+          <a:bodyPr rtlCol="0" anchor="ctr"/>
+          <a:lstStyle/>
+          <a:p>
+            <a:pPr algn="ctr"/>
+            <a:endParaRPr lang="zh-CN" altLang="en-US"/>
+          </a:p>
+        </p:txBody>
+      </p:sp>
+      <p:sp>
+        <p:nvSpPr>
+          <p:cNvPr id="28" name="流程图: 过程 27"/>
+          <p:cNvSpPr/>
+          <p:nvPr/>
+        </p:nvSpPr>
+        <p:spPr>
+          <a:xfrm>
+            <a:off x="6250488" y="2116899"/>
+            <a:ext cx="1553227" cy="361167"/>
+          </a:xfrm>
+          <a:prstGeom prst="flowChartProcess">
+            <a:avLst/>
+          </a:prstGeom>
+          <a:noFill/>
+          <a:ln>
+            <a:solidFill>
+              <a:schemeClr val="tx1"/>
+            </a:solidFill>
+          </a:ln>
+        </p:spPr>
+        <p:style>
+          <a:lnRef idx="2">
+            <a:schemeClr val="dk1">
+              <a:shade val="50000"/>
+            </a:schemeClr>
+          </a:lnRef>
+          <a:fillRef idx="1">
+            <a:schemeClr val="dk1"/>
+          </a:fillRef>
+          <a:effectRef idx="0">
+            <a:schemeClr val="dk1"/>
+          </a:effectRef>
+          <a:fontRef idx="minor">
+            <a:schemeClr val="lt1"/>
+          </a:fontRef>
+        </p:style>
+        <p:txBody>
+          <a:bodyPr rtlCol="0" anchor="ctr"/>
+          <a:lstStyle/>
+          <a:p>
+            <a:pPr algn="ctr"/>
+            <a:endParaRPr lang="zh-CN" altLang="en-US"/>
+          </a:p>
+        </p:txBody>
+      </p:sp>
+      <p:sp>
+        <p:nvSpPr>
+          <p:cNvPr id="29" name="流程图: 过程 28"/>
+          <p:cNvSpPr/>
+          <p:nvPr/>
+        </p:nvSpPr>
+        <p:spPr>
+          <a:xfrm>
+            <a:off x="6252576" y="2482241"/>
+            <a:ext cx="1553227" cy="361167"/>
+          </a:xfrm>
+          <a:prstGeom prst="flowChartProcess">
+            <a:avLst/>
+          </a:prstGeom>
+          <a:noFill/>
+          <a:ln>
+            <a:solidFill>
+              <a:schemeClr val="tx1"/>
+            </a:solidFill>
+          </a:ln>
+        </p:spPr>
+        <p:style>
+          <a:lnRef idx="2">
+            <a:schemeClr val="dk1">
+              <a:shade val="50000"/>
+            </a:schemeClr>
+          </a:lnRef>
+          <a:fillRef idx="1">
+            <a:schemeClr val="dk1"/>
+          </a:fillRef>
+          <a:effectRef idx="0">
+            <a:schemeClr val="dk1"/>
+          </a:effectRef>
+          <a:fontRef idx="minor">
+            <a:schemeClr val="lt1"/>
+          </a:fontRef>
+        </p:style>
+        <p:txBody>
+          <a:bodyPr rtlCol="0" anchor="ctr"/>
+          <a:lstStyle/>
+          <a:p>
+            <a:pPr algn="ctr"/>
+            <a:endParaRPr lang="zh-CN" altLang="en-US"/>
+          </a:p>
+        </p:txBody>
+      </p:sp>
+      <p:sp>
+        <p:nvSpPr>
+          <p:cNvPr id="31" name="流程图: 过程 30"/>
+          <p:cNvSpPr/>
+          <p:nvPr/>
+        </p:nvSpPr>
+        <p:spPr>
+          <a:xfrm>
+            <a:off x="6254664" y="2847583"/>
+            <a:ext cx="1553227" cy="361167"/>
+          </a:xfrm>
+          <a:prstGeom prst="flowChartProcess">
+            <a:avLst/>
+          </a:prstGeom>
+          <a:noFill/>
+          <a:ln>
+            <a:solidFill>
+              <a:schemeClr val="tx1"/>
+            </a:solidFill>
+          </a:ln>
+        </p:spPr>
+        <p:style>
+          <a:lnRef idx="2">
+            <a:schemeClr val="dk1">
+              <a:shade val="50000"/>
+            </a:schemeClr>
+          </a:lnRef>
+          <a:fillRef idx="1">
+            <a:schemeClr val="dk1"/>
+          </a:fillRef>
+          <a:effectRef idx="0">
+            <a:schemeClr val="dk1"/>
+          </a:effectRef>
+          <a:fontRef idx="minor">
+            <a:schemeClr val="lt1"/>
+          </a:fontRef>
+        </p:style>
+        <p:txBody>
+          <a:bodyPr rtlCol="0" anchor="ctr"/>
+          <a:lstStyle/>
+          <a:p>
+            <a:pPr algn="ctr"/>
+            <a:endParaRPr lang="zh-CN" altLang="en-US"/>
+          </a:p>
+        </p:txBody>
+      </p:sp>
+      <p:sp>
+        <p:nvSpPr>
+          <p:cNvPr id="32" name="流程图: 过程 31"/>
+          <p:cNvSpPr/>
+          <p:nvPr/>
+        </p:nvSpPr>
+        <p:spPr>
+          <a:xfrm>
+            <a:off x="6244226" y="3212925"/>
+            <a:ext cx="1553227" cy="361167"/>
+          </a:xfrm>
+          <a:prstGeom prst="flowChartProcess">
+            <a:avLst/>
+          </a:prstGeom>
+          <a:noFill/>
+          <a:ln>
+            <a:solidFill>
+              <a:schemeClr val="tx1"/>
+            </a:solidFill>
+          </a:ln>
+        </p:spPr>
+        <p:style>
+          <a:lnRef idx="2">
+            <a:schemeClr val="dk1">
+              <a:shade val="50000"/>
+            </a:schemeClr>
+          </a:lnRef>
+          <a:fillRef idx="1">
+            <a:schemeClr val="dk1"/>
+          </a:fillRef>
+          <a:effectRef idx="0">
+            <a:schemeClr val="dk1"/>
+          </a:effectRef>
+          <a:fontRef idx="minor">
+            <a:schemeClr val="lt1"/>
+          </a:fontRef>
+        </p:style>
+        <p:txBody>
+          <a:bodyPr rtlCol="0" anchor="ctr"/>
+          <a:lstStyle/>
+          <a:p>
+            <a:pPr algn="ctr"/>
+            <a:endParaRPr lang="zh-CN" altLang="en-US"/>
+          </a:p>
+        </p:txBody>
+      </p:sp>
+      <p:sp>
+        <p:nvSpPr>
+          <p:cNvPr id="33" name="流程图: 过程 32"/>
+          <p:cNvSpPr/>
+          <p:nvPr/>
+        </p:nvSpPr>
+        <p:spPr>
+          <a:xfrm>
+            <a:off x="6246314" y="3565741"/>
+            <a:ext cx="1553227" cy="361167"/>
+          </a:xfrm>
+          <a:prstGeom prst="flowChartProcess">
+            <a:avLst/>
+          </a:prstGeom>
+          <a:noFill/>
+          <a:ln>
+            <a:solidFill>
+              <a:schemeClr val="tx1"/>
+            </a:solidFill>
+          </a:ln>
+        </p:spPr>
+        <p:style>
+          <a:lnRef idx="2">
+            <a:schemeClr val="dk1">
+              <a:shade val="50000"/>
+            </a:schemeClr>
+          </a:lnRef>
+          <a:fillRef idx="1">
+            <a:schemeClr val="dk1"/>
+          </a:fillRef>
+          <a:effectRef idx="0">
+            <a:schemeClr val="dk1"/>
+          </a:effectRef>
+          <a:fontRef idx="minor">
+            <a:schemeClr val="lt1"/>
+          </a:fontRef>
+        </p:style>
+        <p:txBody>
+          <a:bodyPr rtlCol="0" anchor="ctr"/>
+          <a:lstStyle/>
+          <a:p>
+            <a:pPr algn="ctr"/>
+            <a:endParaRPr lang="zh-CN" altLang="en-US"/>
+          </a:p>
+        </p:txBody>
+      </p:sp>
+      <p:sp>
+        <p:nvSpPr>
+          <p:cNvPr id="6" name="文本框 5"/>
+          <p:cNvSpPr txBox="1"/>
+          <p:nvPr/>
+        </p:nvSpPr>
+        <p:spPr>
+          <a:xfrm>
+            <a:off x="6432116" y="2100476"/>
+            <a:ext cx="2730674" cy="369332"/>
+          </a:xfrm>
+          <a:prstGeom prst="rect">
+            <a:avLst/>
+          </a:prstGeom>
+          <a:noFill/>
+        </p:spPr>
+        <p:txBody>
+          <a:bodyPr wrap="square" rtlCol="0">
+            <a:spAutoFit/>
+          </a:bodyPr>
+          <a:lstStyle/>
+          <a:p>
+            <a:r>
+              <a:rPr lang="en-US" altLang="zh-CN" dirty="0" err="1" smtClean="0"/>
+              <a:t>Page_one</a:t>
+            </a:r>
+            <a:endParaRPr lang="zh-CN" altLang="en-US" dirty="0"/>
+          </a:p>
+        </p:txBody>
+      </p:sp>
+      <p:sp>
+        <p:nvSpPr>
+          <p:cNvPr id="34" name="文本框 33"/>
+          <p:cNvSpPr txBox="1"/>
+          <p:nvPr/>
+        </p:nvSpPr>
+        <p:spPr>
+          <a:xfrm>
+            <a:off x="6432116" y="2504440"/>
+            <a:ext cx="2730674" cy="369332"/>
+          </a:xfrm>
+          <a:prstGeom prst="rect">
+            <a:avLst/>
+          </a:prstGeom>
+          <a:noFill/>
+        </p:spPr>
+        <p:txBody>
+          <a:bodyPr wrap="square" rtlCol="0">
+            <a:spAutoFit/>
+          </a:bodyPr>
+          <a:lstStyle/>
+          <a:p>
+            <a:r>
+              <a:rPr lang="en-US" altLang="zh-CN" dirty="0" err="1" smtClean="0"/>
+              <a:t>Page_two</a:t>
+            </a:r>
+            <a:endParaRPr lang="zh-CN" altLang="en-US" dirty="0"/>
+          </a:p>
+        </p:txBody>
+      </p:sp>
+      <p:sp>
+        <p:nvSpPr>
+          <p:cNvPr id="36" name="文本框 35"/>
+          <p:cNvSpPr txBox="1"/>
+          <p:nvPr/>
+        </p:nvSpPr>
+        <p:spPr>
+          <a:xfrm>
+            <a:off x="6440466" y="2881508"/>
+            <a:ext cx="2730674" cy="369332"/>
+          </a:xfrm>
+          <a:prstGeom prst="rect">
+            <a:avLst/>
+          </a:prstGeom>
+          <a:noFill/>
+        </p:spPr>
+        <p:txBody>
+          <a:bodyPr wrap="square" rtlCol="0">
+            <a:spAutoFit/>
+          </a:bodyPr>
+          <a:lstStyle/>
+          <a:p>
+            <a:r>
+              <a:rPr lang="en-US" altLang="zh-CN" dirty="0" err="1" smtClean="0"/>
+              <a:t>Page_three</a:t>
+            </a:r>
+            <a:endParaRPr lang="zh-CN" altLang="en-US" dirty="0"/>
+          </a:p>
+        </p:txBody>
+      </p:sp>
+      <p:sp>
+        <p:nvSpPr>
+          <p:cNvPr id="37" name="文本框 36"/>
+          <p:cNvSpPr txBox="1"/>
+          <p:nvPr/>
+        </p:nvSpPr>
+        <p:spPr>
+          <a:xfrm>
+            <a:off x="6432116" y="3267263"/>
+            <a:ext cx="2730674" cy="369332"/>
+          </a:xfrm>
+          <a:prstGeom prst="rect">
+            <a:avLst/>
+          </a:prstGeom>
+          <a:noFill/>
+        </p:spPr>
+        <p:txBody>
+          <a:bodyPr wrap="square" rtlCol="0">
+            <a:spAutoFit/>
+          </a:bodyPr>
+          <a:lstStyle/>
+          <a:p>
+            <a:r>
+              <a:rPr lang="en-US" altLang="zh-CN" dirty="0" err="1" smtClean="0"/>
+              <a:t>Page_four</a:t>
+            </a:r>
+            <a:endParaRPr lang="zh-CN" altLang="en-US" dirty="0"/>
+          </a:p>
+        </p:txBody>
+      </p:sp>
+      <p:sp>
+        <p:nvSpPr>
+          <p:cNvPr id="38" name="文本框 37"/>
+          <p:cNvSpPr txBox="1"/>
+          <p:nvPr/>
+        </p:nvSpPr>
+        <p:spPr>
+          <a:xfrm>
+            <a:off x="6432116" y="3581033"/>
+            <a:ext cx="2730674" cy="369332"/>
+          </a:xfrm>
+          <a:prstGeom prst="rect">
+            <a:avLst/>
+          </a:prstGeom>
+          <a:noFill/>
+        </p:spPr>
+        <p:txBody>
+          <a:bodyPr wrap="square" rtlCol="0">
+            <a:spAutoFit/>
+          </a:bodyPr>
+          <a:lstStyle/>
+          <a:p>
+            <a:r>
+              <a:rPr lang="en-US" altLang="zh-CN" dirty="0" err="1" smtClean="0"/>
+              <a:t>Root_page</a:t>
+            </a:r>
+            <a:endParaRPr lang="en-US" altLang="zh-CN" dirty="0" smtClean="0"/>
+          </a:p>
+        </p:txBody>
+      </p:sp>
+      <p:cxnSp>
+        <p:nvCxnSpPr>
+          <p:cNvPr id="12" name="曲线连接符 11"/>
+          <p:cNvCxnSpPr/>
+          <p:nvPr/>
+        </p:nvCxnSpPr>
+        <p:spPr>
+          <a:xfrm rot="10800000" flipV="1">
+            <a:off x="5273458" y="2419889"/>
+            <a:ext cx="821500" cy="602013"/>
+          </a:xfrm>
+          <a:prstGeom prst="curvedConnector3">
+            <a:avLst>
+              <a:gd name="adj1" fmla="val 85070"/>
+            </a:avLst>
+          </a:prstGeom>
+          <a:ln>
+            <a:tailEnd type="triangle"/>
+          </a:ln>
+        </p:spPr>
+        <p:style>
+          <a:lnRef idx="1">
+            <a:schemeClr val="dk1"/>
+          </a:lnRef>
+          <a:fillRef idx="0">
+            <a:schemeClr val="dk1"/>
+          </a:fillRef>
+          <a:effectRef idx="0">
+            <a:schemeClr val="dk1"/>
+          </a:effectRef>
+          <a:fontRef idx="minor">
+            <a:schemeClr val="tx1"/>
+          </a:fontRef>
+        </p:style>
+      </p:cxnSp>
+      <p:cxnSp>
+        <p:nvCxnSpPr>
+          <p:cNvPr id="42" name="曲线连接符 41"/>
+          <p:cNvCxnSpPr/>
+          <p:nvPr/>
+        </p:nvCxnSpPr>
+        <p:spPr>
+          <a:xfrm>
+            <a:off x="6327732" y="1578837"/>
+            <a:ext cx="701457" cy="474645"/>
+          </a:xfrm>
+          <a:prstGeom prst="curvedConnector3">
+            <a:avLst>
+              <a:gd name="adj1" fmla="val 91072"/>
+            </a:avLst>
+          </a:prstGeom>
+          <a:ln>
+            <a:tailEnd type="triangle"/>
+          </a:ln>
+        </p:spPr>
+        <p:style>
+          <a:lnRef idx="1">
+            <a:schemeClr val="dk1"/>
+          </a:lnRef>
+          <a:fillRef idx="0">
+            <a:schemeClr val="dk1"/>
+          </a:fillRef>
+          <a:effectRef idx="0">
+            <a:schemeClr val="dk1"/>
+          </a:effectRef>
+          <a:fontRef idx="minor">
+            <a:schemeClr val="tx1"/>
+          </a:fontRef>
+        </p:style>
+      </p:cxnSp>
+      <p:sp>
+        <p:nvSpPr>
+          <p:cNvPr id="49" name="文本框 48"/>
+          <p:cNvSpPr txBox="1"/>
+          <p:nvPr/>
+        </p:nvSpPr>
+        <p:spPr>
+          <a:xfrm>
+            <a:off x="6945683" y="1457254"/>
+            <a:ext cx="2730674" cy="369332"/>
+          </a:xfrm>
+          <a:prstGeom prst="rect">
+            <a:avLst/>
+          </a:prstGeom>
+          <a:noFill/>
+        </p:spPr>
+        <p:txBody>
+          <a:bodyPr wrap="square" rtlCol="0">
+            <a:spAutoFit/>
+          </a:bodyPr>
+          <a:lstStyle/>
+          <a:p>
+            <a:r>
+              <a:rPr lang="en-US" altLang="zh-CN" dirty="0" smtClean="0"/>
+              <a:t>push</a:t>
+            </a:r>
+            <a:endParaRPr lang="zh-CN" altLang="en-US" dirty="0"/>
+          </a:p>
+        </p:txBody>
+      </p:sp>
+      <p:sp>
+        <p:nvSpPr>
+          <p:cNvPr id="50" name="文本框 49"/>
+          <p:cNvSpPr txBox="1"/>
+          <p:nvPr/>
+        </p:nvSpPr>
+        <p:spPr>
+          <a:xfrm>
+            <a:off x="5398718" y="2674770"/>
+            <a:ext cx="2730674" cy="369332"/>
+          </a:xfrm>
+          <a:prstGeom prst="rect">
+            <a:avLst/>
+          </a:prstGeom>
+          <a:noFill/>
+        </p:spPr>
+        <p:txBody>
+          <a:bodyPr wrap="square" rtlCol="0">
+            <a:spAutoFit/>
+          </a:bodyPr>
+          <a:lstStyle/>
+          <a:p>
+            <a:r>
+              <a:rPr lang="en-US" altLang="zh-CN" dirty="0" smtClean="0"/>
+              <a:t>pop</a:t>
+            </a:r>
+            <a:endParaRPr lang="zh-CN" altLang="en-US" dirty="0"/>
+          </a:p>
+        </p:txBody>
+      </p:sp>
+    </p:spTree>
+    <p:extLst>
+      <p:ext uri="{BB962C8B-B14F-4D97-AF65-F5344CB8AC3E}">
+        <p14:creationId xmlns:p14="http://schemas.microsoft.com/office/powerpoint/2010/main" val="2383874556"/>
+      </p:ext>
+    </p:extLst>
+  </p:cSld>
+  <p:clrMapOvr>
+    <a:masterClrMapping/>
+  </p:clrMapOvr>
+</p:sld>
+</file>
+
+<file path=ppt/slides/slide6.xml><?xml version="1.0" encoding="utf-8"?>
+<p:sld xmlns:a="http://schemas.openxmlformats.org/drawingml/2006/main" xmlns:r="http://schemas.openxmlformats.org/officeDocument/2006/relationships" xmlns:p="http://schemas.openxmlformats.org/presentationml/2006/main">
+  <p:cSld>
+    <p:spTree>
+      <p:nvGrpSpPr>
+        <p:cNvPr id="1" name=""/>
+        <p:cNvGrpSpPr/>
+        <p:nvPr/>
+      </p:nvGrpSpPr>
+      <p:grpSpPr>
+        <a:xfrm>
+          <a:off x="0" y="0"/>
+          <a:ext cx="0" cy="0"/>
+          <a:chOff x="0" y="0"/>
+          <a:chExt cx="0" cy="0"/>
+        </a:xfrm>
+      </p:grpSpPr>
+      <p:cxnSp>
+        <p:nvCxnSpPr>
+          <p:cNvPr id="13" name="肘形连接符 12"/>
+          <p:cNvCxnSpPr>
+            <a:endCxn id="4" idx="1"/>
+          </p:cNvCxnSpPr>
+          <p:nvPr/>
+        </p:nvCxnSpPr>
+        <p:spPr>
+          <a:xfrm flipV="1">
+            <a:off x="1602833" y="4607630"/>
+            <a:ext cx="670425" cy="549048"/>
+          </a:xfrm>
+          <a:prstGeom prst="bentConnector3">
+            <a:avLst>
+              <a:gd name="adj1" fmla="val 50000"/>
+            </a:avLst>
+          </a:prstGeom>
+          <a:ln>
+            <a:tailEnd type="triangle"/>
+          </a:ln>
+        </p:spPr>
+        <p:style>
+          <a:lnRef idx="1">
+            <a:schemeClr val="dk1"/>
+          </a:lnRef>
+          <a:fillRef idx="0">
+            <a:schemeClr val="dk1"/>
+          </a:fillRef>
+          <a:effectRef idx="0">
+            <a:schemeClr val="dk1"/>
+          </a:effectRef>
+          <a:fontRef idx="minor">
+            <a:schemeClr val="tx1"/>
+          </a:fontRef>
+        </p:style>
+      </p:cxnSp>
+      <p:sp>
+        <p:nvSpPr>
+          <p:cNvPr id="30" name="矩形 29"/>
+          <p:cNvSpPr/>
+          <p:nvPr/>
+        </p:nvSpPr>
+        <p:spPr>
+          <a:xfrm>
+            <a:off x="6776952" y="3051068"/>
+            <a:ext cx="814191" cy="659377"/>
+          </a:xfrm>
+          <a:prstGeom prst="rect">
+            <a:avLst/>
+          </a:prstGeom>
+          <a:ln/>
+        </p:spPr>
+        <p:style>
+          <a:lnRef idx="2">
+            <a:schemeClr val="dk1"/>
+          </a:lnRef>
+          <a:fillRef idx="1">
+            <a:schemeClr val="lt1"/>
+          </a:fillRef>
+          <a:effectRef idx="0">
+            <a:schemeClr val="dk1"/>
+          </a:effectRef>
+          <a:fontRef idx="minor">
+            <a:schemeClr val="dk1"/>
+          </a:fontRef>
+        </p:style>
+        <p:txBody>
+          <a:bodyPr rtlCol="0" anchor="ctr"/>
+          <a:lstStyle/>
+          <a:p>
+            <a:pPr algn="ctr"/>
+            <a:r>
+              <a:rPr lang="zh-CN" altLang="en-US" dirty="0" smtClean="0"/>
+              <a:t>刷新</a:t>
+            </a:r>
+            <a:endParaRPr lang="en-US" altLang="zh-CN" dirty="0" smtClean="0"/>
+          </a:p>
+        </p:txBody>
+      </p:sp>
+      <p:cxnSp>
+        <p:nvCxnSpPr>
+          <p:cNvPr id="60" name="肘形连接符 59"/>
+          <p:cNvCxnSpPr/>
+          <p:nvPr/>
+        </p:nvCxnSpPr>
+        <p:spPr>
+          <a:xfrm>
+            <a:off x="1496861" y="5156678"/>
+            <a:ext cx="875824" cy="599206"/>
+          </a:xfrm>
+          <a:prstGeom prst="bentConnector3">
+            <a:avLst>
+              <a:gd name="adj1" fmla="val 50000"/>
+            </a:avLst>
+          </a:prstGeom>
+          <a:ln>
+            <a:headEnd type="none" w="med" len="med"/>
+            <a:tailEnd type="arrow" w="med" len="med"/>
+          </a:ln>
+        </p:spPr>
+        <p:style>
+          <a:lnRef idx="1">
+            <a:schemeClr val="dk1"/>
+          </a:lnRef>
+          <a:fillRef idx="0">
+            <a:schemeClr val="dk1"/>
+          </a:fillRef>
+          <a:effectRef idx="0">
+            <a:schemeClr val="dk1"/>
+          </a:effectRef>
+          <a:fontRef idx="minor">
+            <a:schemeClr val="tx1"/>
+          </a:fontRef>
+        </p:style>
+      </p:cxnSp>
+      <p:sp>
+        <p:nvSpPr>
+          <p:cNvPr id="12" name="流程图: 可选过程 11"/>
+          <p:cNvSpPr/>
+          <p:nvPr/>
+        </p:nvSpPr>
+        <p:spPr>
+          <a:xfrm>
+            <a:off x="156317" y="1717631"/>
+            <a:ext cx="1340544" cy="914400"/>
+          </a:xfrm>
+          <a:prstGeom prst="flowChartAlternateProcess">
+            <a:avLst/>
+          </a:prstGeom>
+          <a:noFill/>
+          <a:ln>
+            <a:solidFill>
+              <a:schemeClr val="tx1"/>
+            </a:solidFill>
+          </a:ln>
+        </p:spPr>
+        <p:style>
+          <a:lnRef idx="2">
+            <a:schemeClr val="accent1">
+              <a:shade val="50000"/>
+            </a:schemeClr>
+          </a:lnRef>
+          <a:fillRef idx="1">
+            <a:schemeClr val="accent1"/>
+          </a:fillRef>
+          <a:effectRef idx="0">
+            <a:schemeClr val="accent1"/>
+          </a:effectRef>
+          <a:fontRef idx="minor">
+            <a:schemeClr val="lt1"/>
+          </a:fontRef>
+        </p:style>
+        <p:txBody>
+          <a:bodyPr rtlCol="0" anchor="ctr"/>
+          <a:lstStyle/>
+          <a:p>
+            <a:pPr algn="ctr"/>
+            <a:r>
+              <a:rPr lang="zh-CN" altLang="en-US" dirty="0" smtClean="0">
+                <a:solidFill>
+                  <a:schemeClr val="tx1"/>
+                </a:solidFill>
+              </a:rPr>
+              <a:t>进入界面</a:t>
+            </a:r>
+            <a:endParaRPr lang="zh-CN" altLang="en-US" dirty="0">
+              <a:solidFill>
+                <a:schemeClr val="tx1"/>
+              </a:solidFill>
+            </a:endParaRPr>
+          </a:p>
+        </p:txBody>
+      </p:sp>
+      <p:grpSp>
+        <p:nvGrpSpPr>
+          <p:cNvPr id="19" name="组合 18"/>
+          <p:cNvGrpSpPr/>
+          <p:nvPr/>
+        </p:nvGrpSpPr>
+        <p:grpSpPr>
+          <a:xfrm>
+            <a:off x="41799" y="2615853"/>
+            <a:ext cx="1586586" cy="1463544"/>
+            <a:chOff x="41799" y="2615853"/>
+            <a:chExt cx="1586586" cy="1463544"/>
+          </a:xfrm>
+        </p:grpSpPr>
+        <p:cxnSp>
+          <p:nvCxnSpPr>
+            <p:cNvPr id="29" name="直接箭头连接符 28"/>
+            <p:cNvCxnSpPr/>
+            <p:nvPr/>
+          </p:nvCxnSpPr>
+          <p:spPr>
+            <a:xfrm flipH="1">
+              <a:off x="789139" y="2615853"/>
+              <a:ext cx="1958" cy="691018"/>
+            </a:xfrm>
+            <a:prstGeom prst="straightConnector1">
+              <a:avLst/>
+            </a:prstGeom>
+            <a:ln>
+              <a:tailEnd type="triangle"/>
+            </a:ln>
+          </p:spPr>
+          <p:style>
+            <a:lnRef idx="1">
+              <a:schemeClr val="dk1"/>
+            </a:lnRef>
+            <a:fillRef idx="0">
+              <a:schemeClr val="dk1"/>
+            </a:fillRef>
+            <a:effectRef idx="0">
+              <a:schemeClr val="dk1"/>
+            </a:effectRef>
+            <a:fontRef idx="minor">
+              <a:schemeClr val="tx1"/>
+            </a:fontRef>
+          </p:style>
+        </p:cxnSp>
+        <p:sp>
+          <p:nvSpPr>
+            <p:cNvPr id="31" name="矩形 30"/>
+            <p:cNvSpPr/>
+            <p:nvPr/>
+          </p:nvSpPr>
+          <p:spPr>
+            <a:xfrm>
+              <a:off x="41799" y="3306871"/>
+              <a:ext cx="1586586" cy="772526"/>
+            </a:xfrm>
+            <a:prstGeom prst="rect">
+              <a:avLst/>
+            </a:prstGeom>
+            <a:ln/>
+          </p:spPr>
+          <p:style>
+            <a:lnRef idx="2">
+              <a:schemeClr val="dk1"/>
+            </a:lnRef>
+            <a:fillRef idx="1">
+              <a:schemeClr val="lt1"/>
+            </a:fillRef>
+            <a:effectRef idx="0">
+              <a:schemeClr val="dk1"/>
+            </a:effectRef>
+            <a:fontRef idx="minor">
+              <a:schemeClr val="dk1"/>
+            </a:fontRef>
+          </p:style>
+          <p:txBody>
+            <a:bodyPr rtlCol="0" anchor="ctr"/>
+            <a:lstStyle/>
+            <a:p>
+              <a:pPr algn="ctr"/>
+              <a:r>
+                <a:rPr lang="zh-CN" altLang="en-US" dirty="0" smtClean="0"/>
+                <a:t>通过</a:t>
+              </a:r>
+              <a:r>
+                <a:rPr lang="en-US" altLang="zh-CN" dirty="0" smtClean="0"/>
+                <a:t>/</a:t>
+              </a:r>
+              <a:r>
+                <a:rPr lang="en-US" altLang="zh-CN" dirty="0" err="1" smtClean="0"/>
+                <a:t>getSelfInfo</a:t>
+              </a:r>
+              <a:r>
+                <a:rPr lang="zh-CN" altLang="en-US" dirty="0" smtClean="0"/>
+                <a:t>获取信息</a:t>
+              </a:r>
+              <a:endParaRPr lang="en-US" altLang="zh-CN" dirty="0" smtClean="0"/>
+            </a:p>
+          </p:txBody>
+        </p:sp>
+      </p:grpSp>
+      <p:grpSp>
+        <p:nvGrpSpPr>
+          <p:cNvPr id="33" name="组合 32"/>
+          <p:cNvGrpSpPr/>
+          <p:nvPr/>
+        </p:nvGrpSpPr>
+        <p:grpSpPr>
+          <a:xfrm>
+            <a:off x="4742" y="4079397"/>
+            <a:ext cx="1586586" cy="1463544"/>
+            <a:chOff x="41799" y="2615853"/>
+            <a:chExt cx="1586586" cy="1463544"/>
+          </a:xfrm>
+        </p:grpSpPr>
+        <p:cxnSp>
+          <p:nvCxnSpPr>
+            <p:cNvPr id="34" name="直接箭头连接符 33"/>
+            <p:cNvCxnSpPr/>
+            <p:nvPr/>
+          </p:nvCxnSpPr>
+          <p:spPr>
+            <a:xfrm flipH="1">
+              <a:off x="789139" y="2615853"/>
+              <a:ext cx="1958" cy="691018"/>
+            </a:xfrm>
+            <a:prstGeom prst="straightConnector1">
+              <a:avLst/>
+            </a:prstGeom>
+            <a:ln>
+              <a:tailEnd type="triangle"/>
+            </a:ln>
+          </p:spPr>
+          <p:style>
+            <a:lnRef idx="1">
+              <a:schemeClr val="dk1"/>
+            </a:lnRef>
+            <a:fillRef idx="0">
+              <a:schemeClr val="dk1"/>
+            </a:fillRef>
+            <a:effectRef idx="0">
+              <a:schemeClr val="dk1"/>
+            </a:effectRef>
+            <a:fontRef idx="minor">
+              <a:schemeClr val="tx1"/>
+            </a:fontRef>
+          </p:style>
+        </p:cxnSp>
+        <p:sp>
+          <p:nvSpPr>
+            <p:cNvPr id="35" name="矩形 34"/>
+            <p:cNvSpPr/>
+            <p:nvPr/>
+          </p:nvSpPr>
+          <p:spPr>
+            <a:xfrm>
+              <a:off x="41799" y="3306871"/>
+              <a:ext cx="1586586" cy="772526"/>
+            </a:xfrm>
+            <a:prstGeom prst="rect">
+              <a:avLst/>
+            </a:prstGeom>
+            <a:ln/>
+          </p:spPr>
+          <p:style>
+            <a:lnRef idx="2">
+              <a:schemeClr val="dk1"/>
+            </a:lnRef>
+            <a:fillRef idx="1">
+              <a:schemeClr val="lt1"/>
+            </a:fillRef>
+            <a:effectRef idx="0">
+              <a:schemeClr val="dk1"/>
+            </a:effectRef>
+            <a:fontRef idx="minor">
+              <a:schemeClr val="dk1"/>
+            </a:fontRef>
+          </p:style>
+          <p:txBody>
+            <a:bodyPr rtlCol="0" anchor="ctr"/>
+            <a:lstStyle/>
+            <a:p>
+              <a:pPr algn="ctr"/>
+              <a:r>
+                <a:rPr lang="zh-CN" altLang="en-US" dirty="0" smtClean="0"/>
+                <a:t>前端渲染</a:t>
+              </a:r>
+              <a:r>
+                <a:rPr lang="zh-CN" altLang="en-US" dirty="0" smtClean="0"/>
+                <a:t>内容</a:t>
+              </a:r>
+              <a:endParaRPr lang="en-US" altLang="zh-CN" dirty="0" smtClean="0"/>
+            </a:p>
+          </p:txBody>
+        </p:sp>
+      </p:grpSp>
+      <p:sp>
+        <p:nvSpPr>
+          <p:cNvPr id="67" name="流程图: 终止 66"/>
+          <p:cNvSpPr/>
+          <p:nvPr/>
+        </p:nvSpPr>
+        <p:spPr>
+          <a:xfrm>
+            <a:off x="2379470" y="5542941"/>
+            <a:ext cx="1316924" cy="425885"/>
+          </a:xfrm>
+          <a:prstGeom prst="flowChartTerminator">
+            <a:avLst/>
+          </a:prstGeom>
+          <a:noFill/>
+          <a:ln>
+            <a:solidFill>
+              <a:schemeClr val="tx1"/>
+            </a:solidFill>
+          </a:ln>
+        </p:spPr>
+        <p:style>
+          <a:lnRef idx="2">
+            <a:schemeClr val="accent1">
+              <a:shade val="50000"/>
+            </a:schemeClr>
+          </a:lnRef>
+          <a:fillRef idx="1">
+            <a:schemeClr val="accent1"/>
+          </a:fillRef>
+          <a:effectRef idx="0">
+            <a:schemeClr val="accent1"/>
+          </a:effectRef>
+          <a:fontRef idx="minor">
+            <a:schemeClr val="lt1"/>
+          </a:fontRef>
+        </p:style>
+        <p:txBody>
+          <a:bodyPr rtlCol="0" anchor="ctr"/>
+          <a:lstStyle/>
+          <a:p>
+            <a:pPr algn="ctr"/>
+            <a:r>
+              <a:rPr lang="zh-CN" altLang="en-US" dirty="0">
+                <a:solidFill>
+                  <a:schemeClr val="tx1"/>
+                </a:solidFill>
+              </a:rPr>
+              <a:t>返回界面</a:t>
+            </a:r>
+          </a:p>
+        </p:txBody>
+      </p:sp>
+      <p:cxnSp>
+        <p:nvCxnSpPr>
+          <p:cNvPr id="26" name="肘形连接符 25"/>
+          <p:cNvCxnSpPr>
+            <a:stCxn id="35" idx="3"/>
+            <a:endCxn id="25" idx="1"/>
+          </p:cNvCxnSpPr>
+          <p:nvPr/>
+        </p:nvCxnSpPr>
+        <p:spPr>
+          <a:xfrm flipV="1">
+            <a:off x="1591328" y="3513690"/>
+            <a:ext cx="681930" cy="1642988"/>
+          </a:xfrm>
+          <a:prstGeom prst="bentConnector3">
+            <a:avLst>
+              <a:gd name="adj1" fmla="val 50000"/>
+            </a:avLst>
+          </a:prstGeom>
+          <a:ln>
+            <a:tailEnd type="triangle"/>
+          </a:ln>
+        </p:spPr>
+        <p:style>
+          <a:lnRef idx="1">
+            <a:schemeClr val="dk1"/>
+          </a:lnRef>
+          <a:fillRef idx="0">
+            <a:schemeClr val="dk1"/>
+          </a:fillRef>
+          <a:effectRef idx="0">
+            <a:schemeClr val="dk1"/>
+          </a:effectRef>
+          <a:fontRef idx="minor">
+            <a:schemeClr val="tx1"/>
+          </a:fontRef>
+        </p:style>
+      </p:cxnSp>
+      <p:grpSp>
+        <p:nvGrpSpPr>
+          <p:cNvPr id="45" name="组合 44"/>
+          <p:cNvGrpSpPr/>
+          <p:nvPr/>
+        </p:nvGrpSpPr>
+        <p:grpSpPr>
+          <a:xfrm>
+            <a:off x="2273258" y="2614623"/>
+            <a:ext cx="3330192" cy="2408454"/>
+            <a:chOff x="2296743" y="3455901"/>
+            <a:chExt cx="3330192" cy="2408454"/>
+          </a:xfrm>
+        </p:grpSpPr>
+        <p:sp>
+          <p:nvSpPr>
+            <p:cNvPr id="4" name="矩形 3"/>
+            <p:cNvSpPr/>
+            <p:nvPr/>
+          </p:nvSpPr>
+          <p:spPr>
+            <a:xfrm>
+              <a:off x="2296743" y="5033461"/>
+              <a:ext cx="1657744" cy="830894"/>
+            </a:xfrm>
+            <a:prstGeom prst="rect">
+              <a:avLst/>
+            </a:prstGeom>
+            <a:ln/>
+          </p:spPr>
+          <p:style>
+            <a:lnRef idx="2">
+              <a:schemeClr val="dk1"/>
+            </a:lnRef>
+            <a:fillRef idx="1">
+              <a:schemeClr val="lt1"/>
+            </a:fillRef>
+            <a:effectRef idx="0">
+              <a:schemeClr val="dk1"/>
+            </a:effectRef>
+            <a:fontRef idx="minor">
+              <a:schemeClr val="dk1"/>
+            </a:fontRef>
+          </p:style>
+          <p:txBody>
+            <a:bodyPr rtlCol="0" anchor="ctr"/>
+            <a:lstStyle/>
+            <a:p>
+              <a:pPr algn="ctr"/>
+              <a:r>
+                <a:rPr lang="zh-CN" altLang="en-US" dirty="0" smtClean="0"/>
+                <a:t>查看个人发帖</a:t>
+              </a:r>
+              <a:endParaRPr lang="en-US" altLang="zh-CN" dirty="0" smtClean="0"/>
+            </a:p>
+            <a:p>
+              <a:pPr algn="ctr"/>
+              <a:r>
+                <a:rPr lang="en-US" altLang="zh-CN" dirty="0" smtClean="0"/>
+                <a:t>/</a:t>
+              </a:r>
+              <a:r>
+                <a:rPr lang="en-US" altLang="zh-CN" dirty="0" err="1" smtClean="0"/>
+                <a:t>get</a:t>
+              </a:r>
+              <a:r>
+                <a:rPr lang="en-US" altLang="zh-CN" dirty="0" err="1" smtClean="0"/>
+                <a:t>Post</a:t>
+              </a:r>
+              <a:endParaRPr lang="en-US" altLang="zh-CN" dirty="0" smtClean="0"/>
+            </a:p>
+          </p:txBody>
+        </p:sp>
+        <p:sp>
+          <p:nvSpPr>
+            <p:cNvPr id="5" name="矩形 4"/>
+            <p:cNvSpPr/>
+            <p:nvPr/>
+          </p:nvSpPr>
+          <p:spPr>
+            <a:xfrm>
+              <a:off x="4647376" y="4442087"/>
+              <a:ext cx="979559" cy="708024"/>
+            </a:xfrm>
+            <a:prstGeom prst="rect">
+              <a:avLst/>
+            </a:prstGeom>
+            <a:ln/>
+          </p:spPr>
+          <p:style>
+            <a:lnRef idx="2">
+              <a:schemeClr val="dk1"/>
+            </a:lnRef>
+            <a:fillRef idx="1">
+              <a:schemeClr val="lt1"/>
+            </a:fillRef>
+            <a:effectRef idx="0">
+              <a:schemeClr val="dk1"/>
+            </a:effectRef>
+            <a:fontRef idx="minor">
+              <a:schemeClr val="dk1"/>
+            </a:fontRef>
+          </p:style>
+          <p:txBody>
+            <a:bodyPr rtlCol="0" anchor="ctr"/>
+            <a:lstStyle/>
+            <a:p>
+              <a:pPr algn="ctr"/>
+              <a:r>
+                <a:rPr lang="zh-CN" altLang="en-US" dirty="0" smtClean="0"/>
+                <a:t>回复</a:t>
+              </a:r>
+              <a:endParaRPr lang="en-US" altLang="zh-CN" dirty="0" smtClean="0"/>
+            </a:p>
+            <a:p>
+              <a:pPr algn="ctr"/>
+              <a:r>
+                <a:rPr lang="en-US" altLang="zh-CN" dirty="0" smtClean="0"/>
+                <a:t>/</a:t>
+              </a:r>
+              <a:r>
+                <a:rPr lang="en-US" altLang="zh-CN" dirty="0" err="1" smtClean="0"/>
+                <a:t>resPost</a:t>
+              </a:r>
+              <a:endParaRPr lang="zh-CN" altLang="en-US" dirty="0"/>
+            </a:p>
+          </p:txBody>
+        </p:sp>
+        <p:sp>
+          <p:nvSpPr>
+            <p:cNvPr id="25" name="矩形 24"/>
+            <p:cNvSpPr/>
+            <p:nvPr/>
+          </p:nvSpPr>
+          <p:spPr>
+            <a:xfrm>
+              <a:off x="2296743" y="3939521"/>
+              <a:ext cx="1657744" cy="830894"/>
+            </a:xfrm>
+            <a:prstGeom prst="rect">
+              <a:avLst/>
+            </a:prstGeom>
+            <a:ln/>
+          </p:spPr>
+          <p:style>
+            <a:lnRef idx="2">
+              <a:schemeClr val="dk1"/>
+            </a:lnRef>
+            <a:fillRef idx="1">
+              <a:schemeClr val="lt1"/>
+            </a:fillRef>
+            <a:effectRef idx="0">
+              <a:schemeClr val="dk1"/>
+            </a:effectRef>
+            <a:fontRef idx="minor">
+              <a:schemeClr val="dk1"/>
+            </a:fontRef>
+          </p:style>
+          <p:txBody>
+            <a:bodyPr rtlCol="0" anchor="ctr"/>
+            <a:lstStyle/>
+            <a:p>
+              <a:pPr algn="ctr"/>
+              <a:r>
+                <a:rPr lang="zh-CN" altLang="en-US" dirty="0" smtClean="0"/>
+                <a:t>查看个人消息</a:t>
+              </a:r>
+              <a:endParaRPr lang="en-US" altLang="zh-CN" dirty="0" smtClean="0"/>
+            </a:p>
+            <a:p>
+              <a:pPr algn="ctr"/>
+              <a:r>
+                <a:rPr lang="en-US" altLang="zh-CN" dirty="0" smtClean="0"/>
+                <a:t>/</a:t>
+              </a:r>
+              <a:r>
+                <a:rPr lang="en-US" altLang="zh-CN" dirty="0" err="1" smtClean="0"/>
+                <a:t>getMes</a:t>
+              </a:r>
+              <a:endParaRPr lang="en-US" altLang="zh-CN" dirty="0" smtClean="0"/>
+            </a:p>
+          </p:txBody>
+        </p:sp>
+        <p:sp>
+          <p:nvSpPr>
+            <p:cNvPr id="37" name="矩形 36"/>
+            <p:cNvSpPr/>
+            <p:nvPr/>
+          </p:nvSpPr>
+          <p:spPr>
+            <a:xfrm>
+              <a:off x="4634630" y="3455901"/>
+              <a:ext cx="981511" cy="757151"/>
+            </a:xfrm>
+            <a:prstGeom prst="rect">
+              <a:avLst/>
+            </a:prstGeom>
+            <a:ln/>
+          </p:spPr>
+          <p:style>
+            <a:lnRef idx="2">
+              <a:schemeClr val="dk1"/>
+            </a:lnRef>
+            <a:fillRef idx="1">
+              <a:schemeClr val="lt1"/>
+            </a:fillRef>
+            <a:effectRef idx="0">
+              <a:schemeClr val="dk1"/>
+            </a:effectRef>
+            <a:fontRef idx="minor">
+              <a:schemeClr val="dk1"/>
+            </a:fontRef>
+          </p:style>
+          <p:txBody>
+            <a:bodyPr rtlCol="0" anchor="ctr"/>
+            <a:lstStyle/>
+            <a:p>
+              <a:pPr algn="ctr"/>
+              <a:r>
+                <a:rPr lang="zh-CN" altLang="en-US" dirty="0" smtClean="0"/>
+                <a:t>删除</a:t>
+              </a:r>
+              <a:r>
+                <a:rPr lang="en-US" altLang="zh-CN" dirty="0" smtClean="0"/>
+                <a:t>/</a:t>
+              </a:r>
+              <a:r>
+                <a:rPr lang="en-US" altLang="zh-CN" dirty="0" err="1" smtClean="0"/>
+                <a:t>delPost</a:t>
+              </a:r>
+              <a:endParaRPr lang="en-US" altLang="zh-CN" dirty="0" smtClean="0"/>
+            </a:p>
+          </p:txBody>
+        </p:sp>
+        <p:cxnSp>
+          <p:nvCxnSpPr>
+            <p:cNvPr id="38" name="肘形连接符 37"/>
+            <p:cNvCxnSpPr>
+              <a:stCxn id="25" idx="3"/>
+              <a:endCxn id="37" idx="1"/>
+            </p:cNvCxnSpPr>
+            <p:nvPr/>
+          </p:nvCxnSpPr>
+          <p:spPr>
+            <a:xfrm flipV="1">
+              <a:off x="3954487" y="3834477"/>
+              <a:ext cx="680143" cy="520491"/>
+            </a:xfrm>
+            <a:prstGeom prst="bentConnector3">
+              <a:avLst>
+                <a:gd name="adj1" fmla="val 50000"/>
+              </a:avLst>
+            </a:prstGeom>
+            <a:ln>
+              <a:tailEnd type="triangle"/>
+            </a:ln>
+          </p:spPr>
+          <p:style>
+            <a:lnRef idx="1">
+              <a:schemeClr val="dk1"/>
+            </a:lnRef>
+            <a:fillRef idx="0">
+              <a:schemeClr val="dk1"/>
+            </a:fillRef>
+            <a:effectRef idx="0">
+              <a:schemeClr val="dk1"/>
+            </a:effectRef>
+            <a:fontRef idx="minor">
+              <a:schemeClr val="tx1"/>
+            </a:fontRef>
+          </p:style>
+        </p:cxnSp>
+        <p:cxnSp>
+          <p:nvCxnSpPr>
+            <p:cNvPr id="42" name="肘形连接符 41"/>
+            <p:cNvCxnSpPr>
+              <a:stCxn id="25" idx="3"/>
+              <a:endCxn id="5" idx="1"/>
+            </p:cNvCxnSpPr>
+            <p:nvPr/>
+          </p:nvCxnSpPr>
+          <p:spPr>
+            <a:xfrm>
+              <a:off x="3954487" y="4354968"/>
+              <a:ext cx="692889" cy="441131"/>
+            </a:xfrm>
+            <a:prstGeom prst="bentConnector3">
+              <a:avLst>
+                <a:gd name="adj1" fmla="val 50000"/>
+              </a:avLst>
+            </a:prstGeom>
+            <a:ln>
+              <a:tailEnd type="triangle"/>
+            </a:ln>
+          </p:spPr>
+          <p:style>
+            <a:lnRef idx="1">
+              <a:schemeClr val="dk1"/>
+            </a:lnRef>
+            <a:fillRef idx="0">
+              <a:schemeClr val="dk1"/>
+            </a:fillRef>
+            <a:effectRef idx="0">
+              <a:schemeClr val="dk1"/>
+            </a:effectRef>
+            <a:fontRef idx="minor">
+              <a:schemeClr val="tx1"/>
+            </a:fontRef>
+          </p:style>
+        </p:cxnSp>
+      </p:grpSp>
+      <p:cxnSp>
+        <p:nvCxnSpPr>
+          <p:cNvPr id="54" name="肘形连接符 53"/>
+          <p:cNvCxnSpPr>
+            <a:endCxn id="30" idx="1"/>
+          </p:cNvCxnSpPr>
+          <p:nvPr/>
+        </p:nvCxnSpPr>
+        <p:spPr>
+          <a:xfrm>
+            <a:off x="5603450" y="2988093"/>
+            <a:ext cx="1173502" cy="392664"/>
+          </a:xfrm>
+          <a:prstGeom prst="bentConnector3">
+            <a:avLst>
+              <a:gd name="adj1" fmla="val 50000"/>
+            </a:avLst>
+          </a:prstGeom>
+          <a:ln>
+            <a:tailEnd type="triangle"/>
+          </a:ln>
+        </p:spPr>
+        <p:style>
+          <a:lnRef idx="1">
+            <a:schemeClr val="dk1"/>
+          </a:lnRef>
+          <a:fillRef idx="0">
+            <a:schemeClr val="dk1"/>
+          </a:fillRef>
+          <a:effectRef idx="0">
+            <a:schemeClr val="dk1"/>
+          </a:effectRef>
+          <a:fontRef idx="minor">
+            <a:schemeClr val="tx1"/>
+          </a:fontRef>
+        </p:style>
+      </p:cxnSp>
+      <p:cxnSp>
+        <p:nvCxnSpPr>
+          <p:cNvPr id="56" name="肘形连接符 55"/>
+          <p:cNvCxnSpPr>
+            <a:stCxn id="5" idx="3"/>
+            <a:endCxn id="30" idx="1"/>
+          </p:cNvCxnSpPr>
+          <p:nvPr/>
+        </p:nvCxnSpPr>
+        <p:spPr>
+          <a:xfrm flipV="1">
+            <a:off x="5603450" y="3380757"/>
+            <a:ext cx="1173502" cy="574064"/>
+          </a:xfrm>
+          <a:prstGeom prst="bentConnector3">
+            <a:avLst>
+              <a:gd name="adj1" fmla="val 50000"/>
+            </a:avLst>
+          </a:prstGeom>
+          <a:ln>
+            <a:tailEnd type="triangle"/>
+          </a:ln>
+        </p:spPr>
+        <p:style>
+          <a:lnRef idx="1">
+            <a:schemeClr val="dk1"/>
+          </a:lnRef>
+          <a:fillRef idx="0">
+            <a:schemeClr val="dk1"/>
+          </a:fillRef>
+          <a:effectRef idx="0">
+            <a:schemeClr val="dk1"/>
+          </a:effectRef>
+          <a:fontRef idx="minor">
+            <a:schemeClr val="tx1"/>
+          </a:fontRef>
+        </p:style>
+      </p:cxnSp>
+    </p:spTree>
+    <p:extLst>
+      <p:ext uri="{BB962C8B-B14F-4D97-AF65-F5344CB8AC3E}">
+        <p14:creationId xmlns:p14="http://schemas.microsoft.com/office/powerpoint/2010/main" val="2845425605"/>
+      </p:ext>
+    </p:extLst>
+  </p:cSld>
+  <p:clrMapOvr>
+    <a:masterClrMapping/>
+  </p:clrMapOvr>
+</p:sld>
+</file>
+
+<file path=ppt/slides/slide7.xml><?xml version="1.0" encoding="utf-8"?>
+<p:sld xmlns:a="http://schemas.openxmlformats.org/drawingml/2006/main" xmlns:r="http://schemas.openxmlformats.org/officeDocument/2006/relationships" xmlns:p="http://schemas.openxmlformats.org/presentationml/2006/main">
+  <p:cSld>
+    <p:spTree>
+      <p:nvGrpSpPr>
+        <p:cNvPr id="1" name=""/>
+        <p:cNvGrpSpPr/>
+        <p:nvPr/>
+      </p:nvGrpSpPr>
+      <p:grpSpPr>
+        <a:xfrm>
+          <a:off x="0" y="0"/>
+          <a:ext cx="0" cy="0"/>
+          <a:chOff x="0" y="0"/>
+          <a:chExt cx="0" cy="0"/>
+        </a:xfrm>
+      </p:grpSpPr>
+    </p:spTree>
+    <p:extLst>
+      <p:ext uri="{BB962C8B-B14F-4D97-AF65-F5344CB8AC3E}">
+        <p14:creationId xmlns:p14="http://schemas.microsoft.com/office/powerpoint/2010/main" val="1393995848"/>
       </p:ext>
     </p:extLst>
   </p:cSld>

--- a/public/毕业设计文档/毕业设计表格.pptx
+++ b/public/毕业设计文档/毕业设计表格.pptx
@@ -249,7 +249,7 @@
           <a:p>
             <a:fld id="{58B1E12D-D746-4DA3-A071-1E4388CD1881}" type="datetimeFigureOut">
               <a:rPr lang="zh-CN" altLang="en-US" smtClean="0"/>
-              <a:t>2018/4/2</a:t>
+              <a:t>2018/4/16</a:t>
             </a:fld>
             <a:endParaRPr lang="zh-CN" altLang="en-US"/>
           </a:p>
@@ -419,7 +419,7 @@
           <a:p>
             <a:fld id="{58B1E12D-D746-4DA3-A071-1E4388CD1881}" type="datetimeFigureOut">
               <a:rPr lang="zh-CN" altLang="en-US" smtClean="0"/>
-              <a:t>2018/4/2</a:t>
+              <a:t>2018/4/16</a:t>
             </a:fld>
             <a:endParaRPr lang="zh-CN" altLang="en-US"/>
           </a:p>
@@ -599,7 +599,7 @@
           <a:p>
             <a:fld id="{58B1E12D-D746-4DA3-A071-1E4388CD1881}" type="datetimeFigureOut">
               <a:rPr lang="zh-CN" altLang="en-US" smtClean="0"/>
-              <a:t>2018/4/2</a:t>
+              <a:t>2018/4/16</a:t>
             </a:fld>
             <a:endParaRPr lang="zh-CN" altLang="en-US"/>
           </a:p>
@@ -769,7 +769,7 @@
           <a:p>
             <a:fld id="{58B1E12D-D746-4DA3-A071-1E4388CD1881}" type="datetimeFigureOut">
               <a:rPr lang="zh-CN" altLang="en-US" smtClean="0"/>
-              <a:t>2018/4/2</a:t>
+              <a:t>2018/4/16</a:t>
             </a:fld>
             <a:endParaRPr lang="zh-CN" altLang="en-US"/>
           </a:p>
@@ -1015,7 +1015,7 @@
           <a:p>
             <a:fld id="{58B1E12D-D746-4DA3-A071-1E4388CD1881}" type="datetimeFigureOut">
               <a:rPr lang="zh-CN" altLang="en-US" smtClean="0"/>
-              <a:t>2018/4/2</a:t>
+              <a:t>2018/4/16</a:t>
             </a:fld>
             <a:endParaRPr lang="zh-CN" altLang="en-US"/>
           </a:p>
@@ -1247,7 +1247,7 @@
           <a:p>
             <a:fld id="{58B1E12D-D746-4DA3-A071-1E4388CD1881}" type="datetimeFigureOut">
               <a:rPr lang="zh-CN" altLang="en-US" smtClean="0"/>
-              <a:t>2018/4/2</a:t>
+              <a:t>2018/4/16</a:t>
             </a:fld>
             <a:endParaRPr lang="zh-CN" altLang="en-US"/>
           </a:p>
@@ -1614,7 +1614,7 @@
           <a:p>
             <a:fld id="{58B1E12D-D746-4DA3-A071-1E4388CD1881}" type="datetimeFigureOut">
               <a:rPr lang="zh-CN" altLang="en-US" smtClean="0"/>
-              <a:t>2018/4/2</a:t>
+              <a:t>2018/4/16</a:t>
             </a:fld>
             <a:endParaRPr lang="zh-CN" altLang="en-US"/>
           </a:p>
@@ -1732,7 +1732,7 @@
           <a:p>
             <a:fld id="{58B1E12D-D746-4DA3-A071-1E4388CD1881}" type="datetimeFigureOut">
               <a:rPr lang="zh-CN" altLang="en-US" smtClean="0"/>
-              <a:t>2018/4/2</a:t>
+              <a:t>2018/4/16</a:t>
             </a:fld>
             <a:endParaRPr lang="zh-CN" altLang="en-US"/>
           </a:p>
@@ -1827,7 +1827,7 @@
           <a:p>
             <a:fld id="{58B1E12D-D746-4DA3-A071-1E4388CD1881}" type="datetimeFigureOut">
               <a:rPr lang="zh-CN" altLang="en-US" smtClean="0"/>
-              <a:t>2018/4/2</a:t>
+              <a:t>2018/4/16</a:t>
             </a:fld>
             <a:endParaRPr lang="zh-CN" altLang="en-US"/>
           </a:p>
@@ -2104,7 +2104,7 @@
           <a:p>
             <a:fld id="{58B1E12D-D746-4DA3-A071-1E4388CD1881}" type="datetimeFigureOut">
               <a:rPr lang="zh-CN" altLang="en-US" smtClean="0"/>
-              <a:t>2018/4/2</a:t>
+              <a:t>2018/4/16</a:t>
             </a:fld>
             <a:endParaRPr lang="zh-CN" altLang="en-US"/>
           </a:p>
@@ -2357,7 +2357,7 @@
           <a:p>
             <a:fld id="{58B1E12D-D746-4DA3-A071-1E4388CD1881}" type="datetimeFigureOut">
               <a:rPr lang="zh-CN" altLang="en-US" smtClean="0"/>
-              <a:t>2018/4/2</a:t>
+              <a:t>2018/4/16</a:t>
             </a:fld>
             <a:endParaRPr lang="zh-CN" altLang="en-US"/>
           </a:p>
@@ -2570,7 +2570,7 @@
           <a:p>
             <a:fld id="{58B1E12D-D746-4DA3-A071-1E4388CD1881}" type="datetimeFigureOut">
               <a:rPr lang="zh-CN" altLang="en-US" smtClean="0"/>
-              <a:t>2018/4/2</a:t>
+              <a:t>2018/4/16</a:t>
             </a:fld>
             <a:endParaRPr lang="zh-CN" altLang="en-US"/>
           </a:p>
@@ -4526,12 +4526,20 @@
           <a:p>
             <a:pPr algn="ctr"/>
             <a:r>
+              <a:rPr lang="zh-CN" altLang="en-US" dirty="0">
+                <a:solidFill>
+                  <a:schemeClr val="tx1"/>
+                </a:solidFill>
+              </a:rPr>
+              <a:t>中间价</a:t>
+            </a:r>
+            <a:r>
               <a:rPr lang="zh-CN" altLang="en-US" dirty="0" smtClean="0">
                 <a:solidFill>
                   <a:schemeClr val="tx1"/>
                 </a:solidFill>
               </a:rPr>
-              <a:t>模块调用</a:t>
+              <a:t>调用</a:t>
             </a:r>
             <a:endParaRPr lang="zh-CN" altLang="en-US" dirty="0">
               <a:solidFill>
@@ -5391,20 +5399,20 @@
           <a:p>
             <a:pPr algn="ctr"/>
             <a:r>
-              <a:rPr lang="en-US" altLang="zh-CN" sz="1400" dirty="0" err="1">
-                <a:solidFill>
-                  <a:schemeClr val="tx1"/>
-                </a:solidFill>
-              </a:rPr>
-              <a:t>n</a:t>
-            </a:r>
-            <a:r>
               <a:rPr lang="en-US" altLang="zh-CN" sz="1400" dirty="0" err="1" smtClean="0">
                 <a:solidFill>
                   <a:schemeClr val="tx1"/>
                 </a:solidFill>
               </a:rPr>
-              <a:t>ode_module</a:t>
+              <a:t>node_module</a:t>
+            </a:r>
+            <a:r>
+              <a:rPr lang="zh-CN" altLang="en-US" sz="1400" dirty="0" smtClean="0">
+                <a:solidFill>
+                  <a:schemeClr val="tx1"/>
+                </a:solidFill>
+              </a:rPr>
+              <a:t>中间件</a:t>
             </a:r>
             <a:endParaRPr lang="zh-CN" altLang="en-US" sz="1400" dirty="0">
               <a:solidFill>
@@ -8642,11 +8650,7 @@
               <a:pPr algn="ctr"/>
               <a:r>
                 <a:rPr lang="zh-CN" altLang="en-US" dirty="0" smtClean="0"/>
-                <a:t>前端渲染</a:t>
-              </a:r>
-              <a:r>
-                <a:rPr lang="zh-CN" altLang="en-US" dirty="0" smtClean="0"/>
-                <a:t>内容</a:t>
+                <a:t>前端渲染内容</a:t>
               </a:r>
               <a:endParaRPr lang="en-US" altLang="zh-CN" dirty="0" smtClean="0"/>
             </a:p>
@@ -8807,11 +8811,7 @@
               </a:r>
               <a:r>
                 <a:rPr lang="en-US" altLang="zh-CN" dirty="0" err="1" smtClean="0"/>
-                <a:t>get</a:t>
-              </a:r>
-              <a:r>
-                <a:rPr lang="en-US" altLang="zh-CN" dirty="0" err="1" smtClean="0"/>
-                <a:t>Post</a:t>
+                <a:t>getPost</a:t>
               </a:r>
               <a:endParaRPr lang="en-US" altLang="zh-CN" dirty="0" smtClean="0"/>
             </a:p>
@@ -9160,6 +9160,915 @@
           <a:chExt cx="0" cy="0"/>
         </a:xfrm>
       </p:grpSpPr>
+      <p:sp>
+        <p:nvSpPr>
+          <p:cNvPr id="2" name="文本框 1"/>
+          <p:cNvSpPr txBox="1"/>
+          <p:nvPr/>
+        </p:nvSpPr>
+        <p:spPr>
+          <a:xfrm>
+            <a:off x="200415" y="1240077"/>
+            <a:ext cx="4985359" cy="3785652"/>
+          </a:xfrm>
+          <a:prstGeom prst="rect">
+            <a:avLst/>
+          </a:prstGeom>
+          <a:noFill/>
+        </p:spPr>
+        <p:txBody>
+          <a:bodyPr wrap="square" rtlCol="0">
+            <a:spAutoFit/>
+          </a:bodyPr>
+          <a:lstStyle/>
+          <a:p>
+            <a:r>
+              <a:rPr lang="en-US" altLang="zh-CN" sz="2400" dirty="0" err="1"/>
+              <a:t>v</a:t>
+            </a:r>
+            <a:r>
+              <a:rPr lang="en-US" altLang="zh-CN" sz="2400" dirty="0" err="1" smtClean="0"/>
+              <a:t>ar</a:t>
+            </a:r>
+            <a:r>
+              <a:rPr lang="en-US" altLang="zh-CN" sz="2400" dirty="0" smtClean="0"/>
+              <a:t> express = require(‘express’);</a:t>
+            </a:r>
+          </a:p>
+          <a:p>
+            <a:r>
+              <a:rPr lang="en-US" altLang="zh-CN" sz="2400" dirty="0" err="1" smtClean="0"/>
+              <a:t>var</a:t>
+            </a:r>
+            <a:r>
+              <a:rPr lang="en-US" altLang="zh-CN" sz="2400" dirty="0" smtClean="0"/>
+              <a:t> app = express();</a:t>
+            </a:r>
+          </a:p>
+          <a:p>
+            <a:endParaRPr lang="en-US" altLang="zh-CN" sz="2400" dirty="0"/>
+          </a:p>
+          <a:p>
+            <a:endParaRPr lang="en-US" altLang="zh-CN" sz="2400" dirty="0" smtClean="0"/>
+          </a:p>
+          <a:p>
+            <a:r>
+              <a:rPr lang="en-US" altLang="zh-CN" sz="2400" dirty="0" err="1" smtClean="0"/>
+              <a:t>app.</a:t>
+            </a:r>
+            <a:r>
+              <a:rPr lang="en-US" altLang="zh-CN" sz="2400" u="sng" dirty="0" err="1" smtClean="0">
+                <a:solidFill>
+                  <a:schemeClr val="accent2">
+                    <a:lumMod val="75000"/>
+                  </a:schemeClr>
+                </a:solidFill>
+              </a:rPr>
+              <a:t>get</a:t>
+            </a:r>
+            <a:r>
+              <a:rPr lang="en-US" altLang="zh-CN" sz="2400" dirty="0" smtClean="0"/>
+              <a:t>(</a:t>
+            </a:r>
+            <a:r>
+              <a:rPr lang="en-US" altLang="zh-CN" sz="2400" u="sng" dirty="0" smtClean="0">
+                <a:solidFill>
+                  <a:schemeClr val="accent1">
+                    <a:lumMod val="75000"/>
+                  </a:schemeClr>
+                </a:solidFill>
+              </a:rPr>
+              <a:t>‘/’</a:t>
+            </a:r>
+            <a:r>
+              <a:rPr lang="en-US" altLang="zh-CN" sz="2400" dirty="0" smtClean="0"/>
+              <a:t>, (</a:t>
+            </a:r>
+            <a:r>
+              <a:rPr lang="en-US" altLang="zh-CN" sz="2400" u="sng" dirty="0" err="1" smtClean="0">
+                <a:solidFill>
+                  <a:schemeClr val="accent2">
+                    <a:lumMod val="75000"/>
+                  </a:schemeClr>
+                </a:solidFill>
+              </a:rPr>
+              <a:t>req</a:t>
+            </a:r>
+            <a:r>
+              <a:rPr lang="en-US" altLang="zh-CN" sz="2400" dirty="0" smtClean="0"/>
+              <a:t>, </a:t>
+            </a:r>
+            <a:r>
+              <a:rPr lang="en-US" altLang="zh-CN" sz="2400" u="sng" dirty="0" smtClean="0">
+                <a:solidFill>
+                  <a:schemeClr val="accent1">
+                    <a:lumMod val="75000"/>
+                  </a:schemeClr>
+                </a:solidFill>
+              </a:rPr>
+              <a:t>res</a:t>
+            </a:r>
+            <a:r>
+              <a:rPr lang="en-US" altLang="zh-CN" sz="2400" dirty="0" smtClean="0"/>
+              <a:t>, </a:t>
+            </a:r>
+            <a:r>
+              <a:rPr lang="en-US" altLang="zh-CN" sz="2400" u="sng" dirty="0" smtClean="0">
+                <a:solidFill>
+                  <a:schemeClr val="accent2">
+                    <a:lumMod val="75000"/>
+                  </a:schemeClr>
+                </a:solidFill>
+              </a:rPr>
+              <a:t>next</a:t>
+            </a:r>
+            <a:r>
+              <a:rPr lang="en-US" altLang="zh-CN" sz="2400" dirty="0" smtClean="0"/>
+              <a:t>)=&gt;{</a:t>
+            </a:r>
+          </a:p>
+          <a:p>
+            <a:r>
+              <a:rPr lang="en-US" altLang="zh-CN" sz="2400" dirty="0"/>
+              <a:t> </a:t>
+            </a:r>
+            <a:r>
+              <a:rPr lang="en-US" altLang="zh-CN" sz="2400" dirty="0" smtClean="0"/>
+              <a:t>   next();</a:t>
+            </a:r>
+            <a:endParaRPr lang="en-US" altLang="zh-CN" sz="2400" dirty="0"/>
+          </a:p>
+          <a:p>
+            <a:r>
+              <a:rPr lang="en-US" altLang="zh-CN" sz="2400" dirty="0" smtClean="0"/>
+              <a:t>}); </a:t>
+            </a:r>
+          </a:p>
+          <a:p>
+            <a:endParaRPr lang="en-US" altLang="zh-CN" sz="2400" dirty="0"/>
+          </a:p>
+          <a:p>
+            <a:endParaRPr lang="en-US" altLang="zh-CN" sz="2400" dirty="0" smtClean="0"/>
+          </a:p>
+          <a:p>
+            <a:r>
+              <a:rPr lang="en-US" altLang="zh-CN" sz="2400" dirty="0" err="1" smtClean="0"/>
+              <a:t>App.listen</a:t>
+            </a:r>
+            <a:r>
+              <a:rPr lang="en-US" altLang="zh-CN" sz="2400" dirty="0" smtClean="0"/>
+              <a:t>(8080);</a:t>
+            </a:r>
+            <a:endParaRPr lang="zh-CN" altLang="en-US" sz="2400" dirty="0"/>
+          </a:p>
+        </p:txBody>
+      </p:sp>
+      <p:grpSp>
+        <p:nvGrpSpPr>
+          <p:cNvPr id="6" name="组合 5"/>
+          <p:cNvGrpSpPr/>
+          <p:nvPr/>
+        </p:nvGrpSpPr>
+        <p:grpSpPr>
+          <a:xfrm>
+            <a:off x="606468" y="3156557"/>
+            <a:ext cx="3949873" cy="3093931"/>
+            <a:chOff x="-275574" y="-2107166"/>
+            <a:chExt cx="3949873" cy="3093931"/>
+          </a:xfrm>
+        </p:grpSpPr>
+        <p:sp>
+          <p:nvSpPr>
+            <p:cNvPr id="3" name="矩形 2"/>
+            <p:cNvSpPr/>
+            <p:nvPr/>
+          </p:nvSpPr>
+          <p:spPr>
+            <a:xfrm>
+              <a:off x="-275574" y="313151"/>
+              <a:ext cx="3949873" cy="673614"/>
+            </a:xfrm>
+            <a:prstGeom prst="rect">
+              <a:avLst/>
+            </a:prstGeom>
+            <a:noFill/>
+            <a:ln>
+              <a:noFill/>
+            </a:ln>
+          </p:spPr>
+          <p:style>
+            <a:lnRef idx="2">
+              <a:schemeClr val="accent1">
+                <a:shade val="50000"/>
+              </a:schemeClr>
+            </a:lnRef>
+            <a:fillRef idx="1">
+              <a:schemeClr val="accent1"/>
+            </a:fillRef>
+            <a:effectRef idx="0">
+              <a:schemeClr val="accent1"/>
+            </a:effectRef>
+            <a:fontRef idx="minor">
+              <a:schemeClr val="lt1"/>
+            </a:fontRef>
+          </p:style>
+          <p:txBody>
+            <a:bodyPr rtlCol="0" anchor="ctr"/>
+            <a:lstStyle/>
+            <a:p>
+              <a:pPr algn="ctr"/>
+              <a:r>
+                <a:rPr lang="zh-CN" altLang="en-US" dirty="0" smtClean="0">
+                  <a:solidFill>
+                    <a:schemeClr val="tx1"/>
+                  </a:solidFill>
+                </a:rPr>
+                <a:t>中间价回调函数参数：触发</a:t>
+              </a:r>
+              <a:r>
+                <a:rPr lang="en-US" altLang="zh-CN" dirty="0" smtClean="0">
+                  <a:solidFill>
+                    <a:schemeClr val="tx1"/>
+                  </a:solidFill>
+                </a:rPr>
+                <a:t>next()</a:t>
+              </a:r>
+            </a:p>
+            <a:p>
+              <a:pPr algn="ctr"/>
+              <a:r>
+                <a:rPr lang="zh-CN" altLang="en-US" dirty="0">
+                  <a:solidFill>
+                    <a:schemeClr val="tx1"/>
+                  </a:solidFill>
+                </a:rPr>
+                <a:t>中间件</a:t>
+              </a:r>
+              <a:r>
+                <a:rPr lang="en-US" altLang="zh-CN" dirty="0">
+                  <a:solidFill>
+                    <a:schemeClr val="tx1"/>
+                  </a:solidFill>
+                </a:rPr>
+                <a:t>HTTP </a:t>
+              </a:r>
+              <a:r>
+                <a:rPr lang="en-US" altLang="zh-CN" dirty="0" smtClean="0">
+                  <a:solidFill>
+                    <a:schemeClr val="tx1"/>
+                  </a:solidFill>
+                </a:rPr>
+                <a:t>request</a:t>
+              </a:r>
+              <a:r>
+                <a:rPr lang="zh-CN" altLang="en-US" dirty="0" smtClean="0">
+                  <a:solidFill>
+                    <a:schemeClr val="tx1"/>
+                  </a:solidFill>
+                </a:rPr>
+                <a:t>参数</a:t>
+              </a:r>
+              <a:endParaRPr lang="zh-CN" altLang="en-US" dirty="0">
+                <a:solidFill>
+                  <a:schemeClr val="tx1"/>
+                </a:solidFill>
+              </a:endParaRPr>
+            </a:p>
+            <a:p>
+              <a:pPr algn="ctr"/>
+              <a:endParaRPr lang="zh-CN" altLang="en-US" dirty="0">
+                <a:solidFill>
+                  <a:schemeClr val="tx1"/>
+                </a:solidFill>
+              </a:endParaRPr>
+            </a:p>
+          </p:txBody>
+        </p:sp>
+        <p:cxnSp>
+          <p:nvCxnSpPr>
+            <p:cNvPr id="5" name="肘形连接符 4"/>
+            <p:cNvCxnSpPr/>
+            <p:nvPr/>
+          </p:nvCxnSpPr>
+          <p:spPr>
+            <a:xfrm rot="16200000" flipH="1">
+              <a:off x="601770" y="-1511656"/>
+              <a:ext cx="2517735" cy="1326715"/>
+            </a:xfrm>
+            <a:prstGeom prst="bentConnector3">
+              <a:avLst>
+                <a:gd name="adj1" fmla="val 89303"/>
+              </a:avLst>
+            </a:prstGeom>
+            <a:ln>
+              <a:tailEnd type="triangle"/>
+            </a:ln>
+          </p:spPr>
+          <p:style>
+            <a:lnRef idx="1">
+              <a:schemeClr val="accent1"/>
+            </a:lnRef>
+            <a:fillRef idx="0">
+              <a:schemeClr val="accent1"/>
+            </a:fillRef>
+            <a:effectRef idx="0">
+              <a:schemeClr val="accent1"/>
+            </a:effectRef>
+            <a:fontRef idx="minor">
+              <a:schemeClr val="tx1"/>
+            </a:fontRef>
+          </p:style>
+        </p:cxnSp>
+      </p:grpSp>
+      <p:sp>
+        <p:nvSpPr>
+          <p:cNvPr id="8" name="矩形 7"/>
+          <p:cNvSpPr/>
+          <p:nvPr/>
+        </p:nvSpPr>
+        <p:spPr>
+          <a:xfrm>
+            <a:off x="4462396" y="313151"/>
+            <a:ext cx="2893513" cy="551145"/>
+          </a:xfrm>
+          <a:prstGeom prst="rect">
+            <a:avLst/>
+          </a:prstGeom>
+          <a:noFill/>
+          <a:ln>
+            <a:solidFill>
+              <a:schemeClr val="bg2">
+                <a:lumMod val="25000"/>
+              </a:schemeClr>
+            </a:solidFill>
+          </a:ln>
+        </p:spPr>
+        <p:style>
+          <a:lnRef idx="2">
+            <a:schemeClr val="accent1">
+              <a:shade val="50000"/>
+            </a:schemeClr>
+          </a:lnRef>
+          <a:fillRef idx="1">
+            <a:schemeClr val="accent1"/>
+          </a:fillRef>
+          <a:effectRef idx="0">
+            <a:schemeClr val="accent1"/>
+          </a:effectRef>
+          <a:fontRef idx="minor">
+            <a:schemeClr val="lt1"/>
+          </a:fontRef>
+        </p:style>
+        <p:txBody>
+          <a:bodyPr rtlCol="0" anchor="ctr"/>
+          <a:lstStyle/>
+          <a:p>
+            <a:pPr algn="ctr"/>
+            <a:r>
+              <a:rPr lang="zh-CN" altLang="en-US" dirty="0" smtClean="0">
+                <a:solidFill>
+                  <a:schemeClr val="tx1"/>
+                </a:solidFill>
+              </a:rPr>
+              <a:t>路径：中间件回复</a:t>
+            </a:r>
+            <a:endParaRPr lang="zh-CN" altLang="en-US" dirty="0">
+              <a:solidFill>
+                <a:schemeClr val="tx1"/>
+              </a:solidFill>
+            </a:endParaRPr>
+          </a:p>
+        </p:txBody>
+      </p:sp>
+      <p:cxnSp>
+        <p:nvCxnSpPr>
+          <p:cNvPr id="13" name="肘形连接符 12"/>
+          <p:cNvCxnSpPr/>
+          <p:nvPr/>
+        </p:nvCxnSpPr>
+        <p:spPr>
+          <a:xfrm flipV="1">
+            <a:off x="1492683" y="688932"/>
+            <a:ext cx="4416469" cy="2080716"/>
+          </a:xfrm>
+          <a:prstGeom prst="bentConnector2">
+            <a:avLst/>
+          </a:prstGeom>
+          <a:ln>
+            <a:tailEnd type="triangle"/>
+          </a:ln>
+        </p:spPr>
+        <p:style>
+          <a:lnRef idx="1">
+            <a:schemeClr val="accent1"/>
+          </a:lnRef>
+          <a:fillRef idx="0">
+            <a:schemeClr val="accent1"/>
+          </a:fillRef>
+          <a:effectRef idx="0">
+            <a:schemeClr val="accent1"/>
+          </a:effectRef>
+          <a:fontRef idx="minor">
+            <a:schemeClr val="tx1"/>
+          </a:fontRef>
+        </p:style>
+      </p:cxnSp>
+      <p:grpSp>
+        <p:nvGrpSpPr>
+          <p:cNvPr id="17" name="组合 16"/>
+          <p:cNvGrpSpPr/>
+          <p:nvPr/>
+        </p:nvGrpSpPr>
+        <p:grpSpPr>
+          <a:xfrm>
+            <a:off x="1229637" y="465551"/>
+            <a:ext cx="2893513" cy="2467627"/>
+            <a:chOff x="1077237" y="313151"/>
+            <a:chExt cx="2893513" cy="2467627"/>
+          </a:xfrm>
+        </p:grpSpPr>
+        <p:sp>
+          <p:nvSpPr>
+            <p:cNvPr id="18" name="矩形 17"/>
+            <p:cNvSpPr/>
+            <p:nvPr/>
+          </p:nvSpPr>
+          <p:spPr>
+            <a:xfrm>
+              <a:off x="1077237" y="313151"/>
+              <a:ext cx="2893513" cy="551145"/>
+            </a:xfrm>
+            <a:prstGeom prst="rect">
+              <a:avLst/>
+            </a:prstGeom>
+            <a:noFill/>
+            <a:ln>
+              <a:solidFill>
+                <a:schemeClr val="bg2">
+                  <a:lumMod val="25000"/>
+                </a:schemeClr>
+              </a:solidFill>
+            </a:ln>
+          </p:spPr>
+          <p:style>
+            <a:lnRef idx="2">
+              <a:schemeClr val="accent1">
+                <a:shade val="50000"/>
+              </a:schemeClr>
+            </a:lnRef>
+            <a:fillRef idx="1">
+              <a:schemeClr val="accent1"/>
+            </a:fillRef>
+            <a:effectRef idx="0">
+              <a:schemeClr val="accent1"/>
+            </a:effectRef>
+            <a:fontRef idx="minor">
+              <a:schemeClr val="lt1"/>
+            </a:fontRef>
+          </p:style>
+          <p:txBody>
+            <a:bodyPr rtlCol="0" anchor="ctr"/>
+            <a:lstStyle/>
+            <a:p>
+              <a:pPr algn="ctr"/>
+              <a:r>
+                <a:rPr lang="en-US" altLang="zh-CN" dirty="0" smtClean="0">
+                  <a:solidFill>
+                    <a:schemeClr val="tx1"/>
+                  </a:solidFill>
+                </a:rPr>
+                <a:t>HTTP</a:t>
+              </a:r>
+              <a:r>
+                <a:rPr lang="zh-CN" altLang="en-US" dirty="0" smtClean="0">
+                  <a:solidFill>
+                    <a:schemeClr val="tx1"/>
+                  </a:solidFill>
+                </a:rPr>
+                <a:t>方法：中间件回复</a:t>
+              </a:r>
+              <a:endParaRPr lang="zh-CN" altLang="en-US" dirty="0">
+                <a:solidFill>
+                  <a:schemeClr val="tx1"/>
+                </a:solidFill>
+              </a:endParaRPr>
+            </a:p>
+          </p:txBody>
+        </p:sp>
+        <p:cxnSp>
+          <p:nvCxnSpPr>
+            <p:cNvPr id="19" name="肘形连接符 18"/>
+            <p:cNvCxnSpPr>
+              <a:endCxn id="18" idx="2"/>
+            </p:cNvCxnSpPr>
+            <p:nvPr/>
+          </p:nvCxnSpPr>
+          <p:spPr>
+            <a:xfrm rot="5400000" flipH="1" flipV="1">
+              <a:off x="848638" y="1105422"/>
+              <a:ext cx="1916482" cy="1434230"/>
+            </a:xfrm>
+            <a:prstGeom prst="bentConnector3">
+              <a:avLst/>
+            </a:prstGeom>
+            <a:ln>
+              <a:tailEnd type="triangle"/>
+            </a:ln>
+          </p:spPr>
+          <p:style>
+            <a:lnRef idx="1">
+              <a:schemeClr val="accent1"/>
+            </a:lnRef>
+            <a:fillRef idx="0">
+              <a:schemeClr val="accent1"/>
+            </a:fillRef>
+            <a:effectRef idx="0">
+              <a:schemeClr val="accent1"/>
+            </a:effectRef>
+            <a:fontRef idx="minor">
+              <a:schemeClr val="tx1"/>
+            </a:fontRef>
+          </p:style>
+        </p:cxnSp>
+      </p:grpSp>
+      <p:sp>
+        <p:nvSpPr>
+          <p:cNvPr id="23" name="矩形 22"/>
+          <p:cNvSpPr/>
+          <p:nvPr/>
+        </p:nvSpPr>
+        <p:spPr>
+          <a:xfrm>
+            <a:off x="4582438" y="5029904"/>
+            <a:ext cx="2893513" cy="551145"/>
+          </a:xfrm>
+          <a:prstGeom prst="rect">
+            <a:avLst/>
+          </a:prstGeom>
+          <a:noFill/>
+          <a:ln>
+            <a:noFill/>
+          </a:ln>
+        </p:spPr>
+        <p:style>
+          <a:lnRef idx="2">
+            <a:schemeClr val="accent1">
+              <a:shade val="50000"/>
+            </a:schemeClr>
+          </a:lnRef>
+          <a:fillRef idx="1">
+            <a:schemeClr val="accent1"/>
+          </a:fillRef>
+          <a:effectRef idx="0">
+            <a:schemeClr val="accent1"/>
+          </a:effectRef>
+          <a:fontRef idx="minor">
+            <a:schemeClr val="lt1"/>
+          </a:fontRef>
+        </p:style>
+        <p:txBody>
+          <a:bodyPr rtlCol="0" anchor="ctr"/>
+          <a:lstStyle/>
+          <a:p>
+            <a:pPr algn="ctr"/>
+            <a:r>
+              <a:rPr lang="zh-CN" altLang="en-US" dirty="0" smtClean="0">
+                <a:solidFill>
+                  <a:schemeClr val="tx1"/>
+                </a:solidFill>
+              </a:rPr>
+              <a:t>中间件</a:t>
+            </a:r>
+            <a:r>
+              <a:rPr lang="en-US" altLang="zh-CN" dirty="0" smtClean="0">
+                <a:solidFill>
+                  <a:schemeClr val="tx1"/>
+                </a:solidFill>
+              </a:rPr>
+              <a:t>HTTP response</a:t>
+            </a:r>
+            <a:r>
+              <a:rPr lang="zh-CN" altLang="en-US" dirty="0" smtClean="0">
+                <a:solidFill>
+                  <a:schemeClr val="tx1"/>
+                </a:solidFill>
+              </a:rPr>
+              <a:t>参数</a:t>
+            </a:r>
+            <a:endParaRPr lang="zh-CN" altLang="en-US" dirty="0">
+              <a:solidFill>
+                <a:schemeClr val="tx1"/>
+              </a:solidFill>
+            </a:endParaRPr>
+          </a:p>
+        </p:txBody>
+      </p:sp>
+      <p:cxnSp>
+        <p:nvCxnSpPr>
+          <p:cNvPr id="28" name="肘形连接符 27"/>
+          <p:cNvCxnSpPr>
+            <a:endCxn id="23" idx="1"/>
+          </p:cNvCxnSpPr>
+          <p:nvPr/>
+        </p:nvCxnSpPr>
+        <p:spPr>
+          <a:xfrm rot="16200000" flipH="1">
+            <a:off x="2506246" y="3229285"/>
+            <a:ext cx="2246338" cy="1906045"/>
+          </a:xfrm>
+          <a:prstGeom prst="bentConnector2">
+            <a:avLst/>
+          </a:prstGeom>
+          <a:ln>
+            <a:tailEnd type="triangle"/>
+          </a:ln>
+        </p:spPr>
+        <p:style>
+          <a:lnRef idx="1">
+            <a:schemeClr val="accent4"/>
+          </a:lnRef>
+          <a:fillRef idx="0">
+            <a:schemeClr val="accent4"/>
+          </a:fillRef>
+          <a:effectRef idx="0">
+            <a:schemeClr val="accent4"/>
+          </a:effectRef>
+          <a:fontRef idx="minor">
+            <a:schemeClr val="tx1"/>
+          </a:fontRef>
+        </p:style>
+      </p:cxnSp>
+      <p:grpSp>
+        <p:nvGrpSpPr>
+          <p:cNvPr id="30" name="组合 29"/>
+          <p:cNvGrpSpPr/>
+          <p:nvPr/>
+        </p:nvGrpSpPr>
+        <p:grpSpPr>
+          <a:xfrm>
+            <a:off x="3296429" y="2930489"/>
+            <a:ext cx="4679517" cy="1773033"/>
+            <a:chOff x="-1005218" y="-1870405"/>
+            <a:chExt cx="4679517" cy="2857170"/>
+          </a:xfrm>
+        </p:grpSpPr>
+        <p:sp>
+          <p:nvSpPr>
+            <p:cNvPr id="31" name="矩形 30"/>
+            <p:cNvSpPr/>
+            <p:nvPr/>
+          </p:nvSpPr>
+          <p:spPr>
+            <a:xfrm>
+              <a:off x="-275574" y="313151"/>
+              <a:ext cx="3949873" cy="673614"/>
+            </a:xfrm>
+            <a:prstGeom prst="rect">
+              <a:avLst/>
+            </a:prstGeom>
+            <a:noFill/>
+            <a:ln>
+              <a:noFill/>
+            </a:ln>
+          </p:spPr>
+          <p:style>
+            <a:lnRef idx="2">
+              <a:schemeClr val="accent1">
+                <a:shade val="50000"/>
+              </a:schemeClr>
+            </a:lnRef>
+            <a:fillRef idx="1">
+              <a:schemeClr val="accent1"/>
+            </a:fillRef>
+            <a:effectRef idx="0">
+              <a:schemeClr val="accent1"/>
+            </a:effectRef>
+            <a:fontRef idx="minor">
+              <a:schemeClr val="lt1"/>
+            </a:fontRef>
+          </p:style>
+          <p:txBody>
+            <a:bodyPr rtlCol="0" anchor="ctr"/>
+            <a:lstStyle/>
+            <a:p>
+              <a:pPr algn="ctr"/>
+              <a:r>
+                <a:rPr lang="zh-CN" altLang="en-US" dirty="0" smtClean="0">
+                  <a:solidFill>
+                    <a:schemeClr val="tx1"/>
+                  </a:solidFill>
+                </a:rPr>
+                <a:t>中间价回调函数参数：触发</a:t>
+              </a:r>
+              <a:r>
+                <a:rPr lang="en-US" altLang="zh-CN" dirty="0" smtClean="0">
+                  <a:solidFill>
+                    <a:schemeClr val="tx1"/>
+                  </a:solidFill>
+                </a:rPr>
+                <a:t>next()</a:t>
+              </a:r>
+            </a:p>
+            <a:p>
+              <a:pPr algn="ctr"/>
+              <a:endParaRPr lang="zh-CN" altLang="en-US" dirty="0">
+                <a:solidFill>
+                  <a:schemeClr val="tx1"/>
+                </a:solidFill>
+              </a:endParaRPr>
+            </a:p>
+          </p:txBody>
+        </p:sp>
+        <p:cxnSp>
+          <p:nvCxnSpPr>
+            <p:cNvPr id="32" name="肘形连接符 31"/>
+            <p:cNvCxnSpPr/>
+            <p:nvPr/>
+          </p:nvCxnSpPr>
+          <p:spPr>
+            <a:xfrm rot="16200000" flipH="1">
+              <a:off x="-1437259" y="-1438364"/>
+              <a:ext cx="2030049" cy="1165967"/>
+            </a:xfrm>
+            <a:prstGeom prst="bentConnector3">
+              <a:avLst/>
+            </a:prstGeom>
+            <a:ln>
+              <a:tailEnd type="triangle"/>
+            </a:ln>
+          </p:spPr>
+          <p:style>
+            <a:lnRef idx="1">
+              <a:schemeClr val="accent1"/>
+            </a:lnRef>
+            <a:fillRef idx="0">
+              <a:schemeClr val="accent1"/>
+            </a:fillRef>
+            <a:effectRef idx="0">
+              <a:schemeClr val="accent1"/>
+            </a:effectRef>
+            <a:fontRef idx="minor">
+              <a:schemeClr val="tx1"/>
+            </a:fontRef>
+          </p:style>
+        </p:cxnSp>
+      </p:grpSp>
+      <p:sp>
+        <p:nvSpPr>
+          <p:cNvPr id="36" name="矩形 35"/>
+          <p:cNvSpPr/>
+          <p:nvPr/>
+        </p:nvSpPr>
+        <p:spPr>
+          <a:xfrm>
+            <a:off x="1688403" y="2591857"/>
+            <a:ext cx="2502073" cy="701457"/>
+          </a:xfrm>
+          <a:prstGeom prst="rect">
+            <a:avLst/>
+          </a:prstGeom>
+          <a:noFill/>
+          <a:ln>
+            <a:solidFill>
+              <a:schemeClr val="tx1"/>
+            </a:solidFill>
+            <a:prstDash val="lgDash"/>
+          </a:ln>
+        </p:spPr>
+        <p:style>
+          <a:lnRef idx="2">
+            <a:schemeClr val="dk1">
+              <a:shade val="50000"/>
+            </a:schemeClr>
+          </a:lnRef>
+          <a:fillRef idx="1">
+            <a:schemeClr val="dk1"/>
+          </a:fillRef>
+          <a:effectRef idx="0">
+            <a:schemeClr val="dk1"/>
+          </a:effectRef>
+          <a:fontRef idx="minor">
+            <a:schemeClr val="lt1"/>
+          </a:fontRef>
+        </p:style>
+        <p:txBody>
+          <a:bodyPr rtlCol="0" anchor="ctr"/>
+          <a:lstStyle/>
+          <a:p>
+            <a:pPr algn="ctr"/>
+            <a:endParaRPr lang="zh-CN" altLang="en-US"/>
+          </a:p>
+        </p:txBody>
+      </p:sp>
+      <p:cxnSp>
+        <p:nvCxnSpPr>
+          <p:cNvPr id="37" name="肘形连接符 36"/>
+          <p:cNvCxnSpPr>
+            <a:stCxn id="36" idx="3"/>
+          </p:cNvCxnSpPr>
+          <p:nvPr/>
+        </p:nvCxnSpPr>
+        <p:spPr>
+          <a:xfrm>
+            <a:off x="4190476" y="2942586"/>
+            <a:ext cx="3165433" cy="282016"/>
+          </a:xfrm>
+          <a:prstGeom prst="bentConnector3">
+            <a:avLst>
+              <a:gd name="adj1" fmla="val 50000"/>
+            </a:avLst>
+          </a:prstGeom>
+          <a:ln>
+            <a:tailEnd type="triangle"/>
+          </a:ln>
+        </p:spPr>
+        <p:style>
+          <a:lnRef idx="1">
+            <a:schemeClr val="accent1"/>
+          </a:lnRef>
+          <a:fillRef idx="0">
+            <a:schemeClr val="accent1"/>
+          </a:fillRef>
+          <a:effectRef idx="0">
+            <a:schemeClr val="accent1"/>
+          </a:effectRef>
+          <a:fontRef idx="minor">
+            <a:schemeClr val="tx1"/>
+          </a:fontRef>
+        </p:style>
+      </p:cxnSp>
+      <p:sp>
+        <p:nvSpPr>
+          <p:cNvPr id="39" name="矩形 38"/>
+          <p:cNvSpPr/>
+          <p:nvPr/>
+        </p:nvSpPr>
+        <p:spPr>
+          <a:xfrm>
+            <a:off x="7064681" y="3224602"/>
+            <a:ext cx="3949873" cy="418015"/>
+          </a:xfrm>
+          <a:prstGeom prst="rect">
+            <a:avLst/>
+          </a:prstGeom>
+          <a:noFill/>
+          <a:ln>
+            <a:noFill/>
+          </a:ln>
+        </p:spPr>
+        <p:style>
+          <a:lnRef idx="2">
+            <a:schemeClr val="accent1">
+              <a:shade val="50000"/>
+            </a:schemeClr>
+          </a:lnRef>
+          <a:fillRef idx="1">
+            <a:schemeClr val="accent1"/>
+          </a:fillRef>
+          <a:effectRef idx="0">
+            <a:schemeClr val="accent1"/>
+          </a:effectRef>
+          <a:fontRef idx="minor">
+            <a:schemeClr val="lt1"/>
+          </a:fontRef>
+        </p:style>
+        <p:txBody>
+          <a:bodyPr rtlCol="0" anchor="ctr"/>
+          <a:lstStyle/>
+          <a:p>
+            <a:pPr algn="ctr"/>
+            <a:r>
+              <a:rPr lang="zh-CN" altLang="en-US" dirty="0" smtClean="0">
+                <a:solidFill>
+                  <a:schemeClr val="tx1"/>
+                </a:solidFill>
+              </a:rPr>
+              <a:t>中间件方法（</a:t>
+            </a:r>
+            <a:r>
+              <a:rPr lang="en-US" altLang="zh-CN" dirty="0" smtClean="0">
+                <a:solidFill>
+                  <a:schemeClr val="tx1"/>
+                </a:solidFill>
+              </a:rPr>
+              <a:t>ES6</a:t>
+            </a:r>
+            <a:r>
+              <a:rPr lang="zh-CN" altLang="en-US" dirty="0" smtClean="0">
+                <a:solidFill>
+                  <a:schemeClr val="tx1"/>
+                </a:solidFill>
+              </a:rPr>
+              <a:t>写法）</a:t>
+            </a:r>
+            <a:endParaRPr lang="zh-CN" altLang="en-US" dirty="0">
+              <a:solidFill>
+                <a:schemeClr val="tx1"/>
+              </a:solidFill>
+            </a:endParaRPr>
+          </a:p>
+        </p:txBody>
+      </p:sp>
     </p:spTree>
     <p:extLst>
       <p:ext uri="{BB962C8B-B14F-4D97-AF65-F5344CB8AC3E}">
